--- a/5_presentations/DivideAndConquer.pptx
+++ b/5_presentations/DivideAndConquer.pptx
@@ -12,7 +12,7 @@
     <p:sldId id="256" r:id="rId3"/>
     <p:sldId id="1574" r:id="rId4"/>
     <p:sldId id="1627" r:id="rId5"/>
-    <p:sldId id="1628" r:id="rId6"/>
+    <p:sldId id="1639" r:id="rId6"/>
     <p:sldId id="1624" r:id="rId7"/>
     <p:sldId id="1629" r:id="rId8"/>
     <p:sldId id="1630" r:id="rId9"/>
@@ -212,7 +212,7 @@
           <a:p>
             <a:fld id="{354D3AFA-F451-444D-BAEC-38D955773079}" type="datetimeFigureOut">
               <a:rPr lang="en-US" smtClean="0"/>
-              <a:t>1/5/2020</a:t>
+              <a:t>1/6/2020</a:t>
             </a:fld>
             <a:endParaRPr lang="en-US"/>
           </a:p>
@@ -722,7 +722,7 @@
                 <a:tabLst/>
                 <a:defRPr/>
               </a:pPr>
-              <a:t>1/5/2020 10:06 AM</a:t>
+              <a:t>1/6/2020 8:33 PM</a:t>
             </a:fld>
             <a:endParaRPr kumimoji="0" lang="en-US" sz="1200" b="0" i="0" u="none" strike="noStrike" kern="1200" cap="none" spc="0" normalizeH="0" baseline="0" noProof="0" dirty="0">
               <a:ln>
@@ -1080,7 +1080,7 @@
                 <a:tabLst/>
                 <a:defRPr/>
               </a:pPr>
-              <a:t>1/5/2020 10:47 AM</a:t>
+              <a:t>1/6/2020 8:33 PM</a:t>
             </a:fld>
             <a:endParaRPr kumimoji="0" lang="en-US" sz="1200" b="0" i="0" u="none" strike="noStrike" kern="1200" cap="none" spc="0" normalizeH="0" baseline="0" noProof="0" dirty="0">
               <a:ln>
@@ -1438,7 +1438,7 @@
                 <a:tabLst/>
                 <a:defRPr/>
               </a:pPr>
-              <a:t>1/5/2020 10:59 AM</a:t>
+              <a:t>1/6/2020 8:33 PM</a:t>
             </a:fld>
             <a:endParaRPr kumimoji="0" lang="en-US" sz="1200" b="0" i="0" u="none" strike="noStrike" kern="1200" cap="none" spc="0" normalizeH="0" baseline="0" noProof="0" dirty="0">
               <a:ln>
@@ -1796,7 +1796,7 @@
                 <a:tabLst/>
                 <a:defRPr/>
               </a:pPr>
-              <a:t>1/5/2020 11:03 AM</a:t>
+              <a:t>1/6/2020 8:33 PM</a:t>
             </a:fld>
             <a:endParaRPr kumimoji="0" lang="en-US" sz="1200" b="0" i="0" u="none" strike="noStrike" kern="1200" cap="none" spc="0" normalizeH="0" baseline="0" noProof="0" dirty="0">
               <a:ln>
@@ -2154,7 +2154,7 @@
                 <a:tabLst/>
                 <a:defRPr/>
               </a:pPr>
-              <a:t>1/5/2020 10:39 AM</a:t>
+              <a:t>1/6/2020 8:33 PM</a:t>
             </a:fld>
             <a:endParaRPr kumimoji="0" lang="en-US" sz="1200" b="0" i="0" u="none" strike="noStrike" kern="1200" cap="none" spc="0" normalizeH="0" baseline="0" noProof="0" dirty="0">
               <a:ln>
@@ -2445,7 +2445,7 @@
                 <a:tabLst/>
                 <a:defRPr/>
               </a:pPr>
-              <a:t>1/5/2020 9:59 AM</a:t>
+              <a:t>1/6/2020 8:33 PM</a:t>
             </a:fld>
             <a:endParaRPr kumimoji="0" lang="en-US" sz="1200" b="0" i="0" u="none" strike="noStrike" kern="1200" cap="none" spc="0" normalizeH="0" baseline="0" noProof="0" dirty="0">
               <a:ln>
@@ -2885,7 +2885,7 @@
                 <a:tabLst/>
                 <a:defRPr/>
               </a:pPr>
-              <a:t>1/5/2020 10:07 AM</a:t>
+              <a:t>1/6/2020 8:33 PM</a:t>
             </a:fld>
             <a:endParaRPr kumimoji="0" lang="en-US" sz="1200" b="0" i="0" u="none" strike="noStrike" kern="1200" cap="none" spc="0" normalizeH="0" baseline="0" noProof="0" dirty="0">
               <a:ln>
@@ -3243,7 +3243,7 @@
                 <a:tabLst/>
                 <a:defRPr/>
               </a:pPr>
-              <a:t>1/5/2020 9:59 AM</a:t>
+              <a:t>1/6/2020 8:35 PM</a:t>
             </a:fld>
             <a:endParaRPr kumimoji="0" lang="en-US" sz="1200" b="0" i="0" u="none" strike="noStrike" kern="1200" cap="none" spc="0" normalizeH="0" baseline="0" noProof="0" dirty="0">
               <a:ln>
@@ -3348,7 +3348,7 @@
     </p:spTree>
     <p:extLst>
       <p:ext uri="{BB962C8B-B14F-4D97-AF65-F5344CB8AC3E}">
-        <p14:creationId xmlns:p14="http://schemas.microsoft.com/office/powerpoint/2010/main" val="2477081053"/>
+        <p14:creationId xmlns:p14="http://schemas.microsoft.com/office/powerpoint/2010/main" val="1505614825"/>
       </p:ext>
     </p:extLst>
   </p:cSld>
@@ -3601,7 +3601,7 @@
                 <a:tabLst/>
                 <a:defRPr/>
               </a:pPr>
-              <a:t>1/5/2020 9:59 AM</a:t>
+              <a:t>1/6/2020 8:33 PM</a:t>
             </a:fld>
             <a:endParaRPr kumimoji="0" lang="en-US" sz="1200" b="0" i="0" u="none" strike="noStrike" kern="1200" cap="none" spc="0" normalizeH="0" baseline="0" noProof="0" dirty="0">
               <a:ln>
@@ -3959,7 +3959,7 @@
                 <a:tabLst/>
                 <a:defRPr/>
               </a:pPr>
-              <a:t>1/5/2020 10:15 AM</a:t>
+              <a:t>1/6/2020 8:33 PM</a:t>
             </a:fld>
             <a:endParaRPr kumimoji="0" lang="en-US" sz="1200" b="0" i="0" u="none" strike="noStrike" kern="1200" cap="none" spc="0" normalizeH="0" baseline="0" noProof="0" dirty="0">
               <a:ln>
@@ -4317,7 +4317,7 @@
                 <a:tabLst/>
                 <a:defRPr/>
               </a:pPr>
-              <a:t>1/5/2020 10:23 AM</a:t>
+              <a:t>1/6/2020 8:33 PM</a:t>
             </a:fld>
             <a:endParaRPr kumimoji="0" lang="en-US" sz="1200" b="0" i="0" u="none" strike="noStrike" kern="1200" cap="none" spc="0" normalizeH="0" baseline="0" noProof="0" dirty="0">
               <a:ln>
@@ -4675,7 +4675,7 @@
                 <a:tabLst/>
                 <a:defRPr/>
               </a:pPr>
-              <a:t>1/5/2020 10:27 AM</a:t>
+              <a:t>1/6/2020 8:33 PM</a:t>
             </a:fld>
             <a:endParaRPr kumimoji="0" lang="en-US" sz="1200" b="0" i="0" u="none" strike="noStrike" kern="1200" cap="none" spc="0" normalizeH="0" baseline="0" noProof="0" dirty="0">
               <a:ln>
@@ -5033,7 +5033,7 @@
                 <a:tabLst/>
                 <a:defRPr/>
               </a:pPr>
-              <a:t>1/5/2020 10:31 AM</a:t>
+              <a:t>1/6/2020 8:33 PM</a:t>
             </a:fld>
             <a:endParaRPr kumimoji="0" lang="en-US" sz="1200" b="0" i="0" u="none" strike="noStrike" kern="1200" cap="none" spc="0" normalizeH="0" baseline="0" noProof="0" dirty="0">
               <a:ln>
@@ -5391,7 +5391,7 @@
                 <a:tabLst/>
                 <a:defRPr/>
               </a:pPr>
-              <a:t>1/5/2020 10:29 AM</a:t>
+              <a:t>1/6/2020 8:33 PM</a:t>
             </a:fld>
             <a:endParaRPr kumimoji="0" lang="en-US" sz="1200" b="0" i="0" u="none" strike="noStrike" kern="1200" cap="none" spc="0" normalizeH="0" baseline="0" noProof="0" dirty="0">
               <a:ln>
@@ -5653,7 +5653,7 @@
           <a:p>
             <a:fld id="{DFA8C626-DCFC-44B9-B53F-E89648D7BB7E}" type="datetimeFigureOut">
               <a:rPr lang="en-US" smtClean="0"/>
-              <a:t>1/5/2020</a:t>
+              <a:t>1/6/2020</a:t>
             </a:fld>
             <a:endParaRPr lang="en-US"/>
           </a:p>
@@ -5851,7 +5851,7 @@
           <a:p>
             <a:fld id="{DFA8C626-DCFC-44B9-B53F-E89648D7BB7E}" type="datetimeFigureOut">
               <a:rPr lang="en-US" smtClean="0"/>
-              <a:t>1/5/2020</a:t>
+              <a:t>1/6/2020</a:t>
             </a:fld>
             <a:endParaRPr lang="en-US"/>
           </a:p>
@@ -6059,7 +6059,7 @@
           <a:p>
             <a:fld id="{DFA8C626-DCFC-44B9-B53F-E89648D7BB7E}" type="datetimeFigureOut">
               <a:rPr lang="en-US" smtClean="0"/>
-              <a:t>1/5/2020</a:t>
+              <a:t>1/6/2020</a:t>
             </a:fld>
             <a:endParaRPr lang="en-US"/>
           </a:p>
@@ -8072,7 +8072,7 @@
           <a:p>
             <a:fld id="{DFA8C626-DCFC-44B9-B53F-E89648D7BB7E}" type="datetimeFigureOut">
               <a:rPr lang="en-US" smtClean="0"/>
-              <a:t>1/5/2020</a:t>
+              <a:t>1/6/2020</a:t>
             </a:fld>
             <a:endParaRPr lang="en-US"/>
           </a:p>
@@ -9790,7 +9790,7 @@
           <a:p>
             <a:fld id="{DFA8C626-DCFC-44B9-B53F-E89648D7BB7E}" type="datetimeFigureOut">
               <a:rPr lang="en-US" smtClean="0"/>
-              <a:t>1/5/2020</a:t>
+              <a:t>1/6/2020</a:t>
             </a:fld>
             <a:endParaRPr lang="en-US"/>
           </a:p>
@@ -10055,7 +10055,7 @@
           <a:p>
             <a:fld id="{DFA8C626-DCFC-44B9-B53F-E89648D7BB7E}" type="datetimeFigureOut">
               <a:rPr lang="en-US" smtClean="0"/>
-              <a:t>1/5/2020</a:t>
+              <a:t>1/6/2020</a:t>
             </a:fld>
             <a:endParaRPr lang="en-US"/>
           </a:p>
@@ -10467,7 +10467,7 @@
           <a:p>
             <a:fld id="{DFA8C626-DCFC-44B9-B53F-E89648D7BB7E}" type="datetimeFigureOut">
               <a:rPr lang="en-US" smtClean="0"/>
-              <a:t>1/5/2020</a:t>
+              <a:t>1/6/2020</a:t>
             </a:fld>
             <a:endParaRPr lang="en-US"/>
           </a:p>
@@ -10608,7 +10608,7 @@
           <a:p>
             <a:fld id="{DFA8C626-DCFC-44B9-B53F-E89648D7BB7E}" type="datetimeFigureOut">
               <a:rPr lang="en-US" smtClean="0"/>
-              <a:t>1/5/2020</a:t>
+              <a:t>1/6/2020</a:t>
             </a:fld>
             <a:endParaRPr lang="en-US"/>
           </a:p>
@@ -10721,7 +10721,7 @@
           <a:p>
             <a:fld id="{DFA8C626-DCFC-44B9-B53F-E89648D7BB7E}" type="datetimeFigureOut">
               <a:rPr lang="en-US" smtClean="0"/>
-              <a:t>1/5/2020</a:t>
+              <a:t>1/6/2020</a:t>
             </a:fld>
             <a:endParaRPr lang="en-US"/>
           </a:p>
@@ -11032,7 +11032,7 @@
           <a:p>
             <a:fld id="{DFA8C626-DCFC-44B9-B53F-E89648D7BB7E}" type="datetimeFigureOut">
               <a:rPr lang="en-US" smtClean="0"/>
-              <a:t>1/5/2020</a:t>
+              <a:t>1/6/2020</a:t>
             </a:fld>
             <a:endParaRPr lang="en-US"/>
           </a:p>
@@ -11320,7 +11320,7 @@
           <a:p>
             <a:fld id="{DFA8C626-DCFC-44B9-B53F-E89648D7BB7E}" type="datetimeFigureOut">
               <a:rPr lang="en-US" smtClean="0"/>
-              <a:t>1/5/2020</a:t>
+              <a:t>1/6/2020</a:t>
             </a:fld>
             <a:endParaRPr lang="en-US"/>
           </a:p>
@@ -11561,7 +11561,7 @@
           <a:p>
             <a:fld id="{DFA8C626-DCFC-44B9-B53F-E89648D7BB7E}" type="datetimeFigureOut">
               <a:rPr lang="en-US" smtClean="0"/>
-              <a:t>1/5/2020</a:t>
+              <a:t>1/6/2020</a:t>
             </a:fld>
             <a:endParaRPr lang="en-US"/>
           </a:p>
@@ -12840,7 +12840,7 @@
           <a:p>
             <a:r>
               <a:rPr lang="en-US" dirty="0"/>
-              <a:t>P2: War Overview</a:t>
+              <a:t>P4: War</a:t>
             </a:r>
           </a:p>
         </p:txBody>
@@ -12860,7 +12860,7 @@
         <p:spPr>
           <a:xfrm>
             <a:off x="624625" y="1423721"/>
-            <a:ext cx="10550556" cy="5016758"/>
+            <a:ext cx="10550556" cy="5509200"/>
           </a:xfrm>
           <a:prstGeom prst="rect">
             <a:avLst/>
@@ -12905,7 +12905,7 @@
                 <a:ea typeface="+mn-ea"/>
                 <a:cs typeface="+mn-cs"/>
               </a:rPr>
-              <a:t>A “War” occurs when during Standard Play, the two players flip a card with the same face value. This is the most complex part of the game. </a:t>
+              <a:t>The war part is the most complicated part of this program. We saved this for last because by doing the other parts we are almost done!</a:t>
             </a:r>
           </a:p>
           <a:p>
@@ -12986,7 +12986,39 @@
                 </a:solidFill>
                 <a:latin typeface="Calibri" panose="020F0502020204030204"/>
               </a:rPr>
-              <a:t>Each player places 1 (or more) cards face down and finally flips another one. If the flip cards are again a tie, replay this step.</a:t>
+              <a:t>Each player places 1 (or more) cards face down and finally flips another one. </a:t>
+            </a:r>
+          </a:p>
+          <a:p>
+            <a:pPr marL="971550" lvl="1" indent="-514350">
+              <a:buFont typeface="Arial" panose="020B0604020202020204" pitchFamily="34" charset="0"/>
+              <a:buChar char="•"/>
+              <a:defRPr/>
+            </a:pPr>
+            <a:r>
+              <a:rPr lang="en-US" sz="3200" dirty="0">
+                <a:solidFill>
+                  <a:prstClr val="white"/>
+                </a:solidFill>
+                <a:latin typeface="Calibri" panose="020F0502020204030204"/>
+              </a:rPr>
+              <a:t>Cards are a tie, redo step 2</a:t>
+            </a:r>
+          </a:p>
+          <a:p>
+            <a:pPr marL="971550" lvl="1" indent="-514350">
+              <a:buFont typeface="Arial" panose="020B0604020202020204" pitchFamily="34" charset="0"/>
+              <a:buChar char="•"/>
+              <a:defRPr/>
+            </a:pPr>
+            <a:r>
+              <a:rPr lang="en-US" sz="3200" dirty="0">
+                <a:solidFill>
+                  <a:prstClr val="white"/>
+                </a:solidFill>
+                <a:latin typeface="Calibri" panose="020F0502020204030204"/>
+              </a:rPr>
+              <a:t>Cards are not a tie, go to step 3</a:t>
             </a:r>
           </a:p>
           <a:p>
@@ -13083,7 +13115,7 @@
           <a:p>
             <a:r>
               <a:rPr lang="en-US" dirty="0"/>
-              <a:t>P2: War Edge Case</a:t>
+              <a:t>P4: War Edge Case</a:t>
             </a:r>
           </a:p>
         </p:txBody>
@@ -13317,7 +13349,7 @@
               <a:defRPr/>
             </a:pPr>
             <a:r>
-              <a:rPr kumimoji="0" lang="en-US" sz="2800" b="0" i="0" u="none" strike="noStrike" kern="1200" cap="none" spc="0" normalizeH="0" baseline="0" noProof="0" dirty="0">
+              <a:rPr kumimoji="0" lang="en-US" sz="2800" b="1" i="1" u="none" strike="noStrike" kern="1200" cap="none" spc="0" normalizeH="0" baseline="0" noProof="0" dirty="0">
                 <a:ln>
                   <a:noFill/>
                 </a:ln>
@@ -13400,7 +13432,7 @@
           <a:p>
             <a:r>
               <a:rPr lang="en-US" dirty="0"/>
-              <a:t>P2: War Solution</a:t>
+              <a:t>P4: War Steps</a:t>
             </a:r>
           </a:p>
         </p:txBody>
@@ -13420,7 +13452,7 @@
         <p:spPr>
           <a:xfrm>
             <a:off x="624625" y="1423721"/>
-            <a:ext cx="10550556" cy="5293757"/>
+            <a:ext cx="10550556" cy="4493538"/>
           </a:xfrm>
           <a:prstGeom prst="rect">
             <a:avLst/>
@@ -13433,7 +13465,7 @@
           </a:bodyPr>
           <a:lstStyle/>
           <a:p>
-            <a:pPr marR="0" lvl="0" algn="l" defTabSz="914400" rtl="0" eaLnBrk="1" fontAlgn="auto" latinLnBrk="0" hangingPunct="1">
+            <a:pPr marL="514350" marR="0" lvl="0" indent="-514350" algn="l" defTabSz="914400" rtl="0" eaLnBrk="1" fontAlgn="auto" latinLnBrk="0" hangingPunct="1">
               <a:lnSpc>
                 <a:spcPct val="100000"/>
               </a:lnSpc>
@@ -13445,6 +13477,110 @@
               </a:spcAft>
               <a:buClrTx/>
               <a:buSzTx/>
+              <a:buFont typeface="+mj-lt"/>
+              <a:buAutoNum type="arabicPeriod"/>
+              <a:tabLst/>
+              <a:defRPr/>
+            </a:pPr>
+            <a:r>
+              <a:rPr lang="en-US" sz="2600" dirty="0">
+                <a:solidFill>
+                  <a:prstClr val="white"/>
+                </a:solidFill>
+                <a:latin typeface="Calibri" panose="020F0502020204030204"/>
+              </a:rPr>
+              <a:t>Create a </a:t>
+            </a:r>
+            <a:r>
+              <a:rPr lang="en-US" sz="2600" dirty="0" err="1">
+                <a:solidFill>
+                  <a:prstClr val="white"/>
+                </a:solidFill>
+                <a:latin typeface="Calibri" panose="020F0502020204030204"/>
+              </a:rPr>
+              <a:t>doWar</a:t>
+            </a:r>
+            <a:r>
+              <a:rPr lang="en-US" sz="2600" dirty="0">
+                <a:solidFill>
+                  <a:prstClr val="white"/>
+                </a:solidFill>
+                <a:latin typeface="Calibri" panose="020F0502020204030204"/>
+              </a:rPr>
+              <a:t>() function that receives the two player decks</a:t>
+            </a:r>
+          </a:p>
+          <a:p>
+            <a:pPr marL="514350" marR="0" lvl="0" indent="-514350" algn="l" defTabSz="914400" rtl="0" eaLnBrk="1" fontAlgn="auto" latinLnBrk="0" hangingPunct="1">
+              <a:lnSpc>
+                <a:spcPct val="100000"/>
+              </a:lnSpc>
+              <a:spcBef>
+                <a:spcPts val="0"/>
+              </a:spcBef>
+              <a:spcAft>
+                <a:spcPts val="0"/>
+              </a:spcAft>
+              <a:buClrTx/>
+              <a:buSzTx/>
+              <a:buFont typeface="+mj-lt"/>
+              <a:buAutoNum type="arabicPeriod"/>
+              <a:tabLst/>
+              <a:defRPr/>
+            </a:pPr>
+            <a:r>
+              <a:rPr lang="en-US" sz="2600" dirty="0">
+                <a:solidFill>
+                  <a:prstClr val="white"/>
+                </a:solidFill>
+                <a:latin typeface="Calibri" panose="020F0502020204030204"/>
+              </a:rPr>
+              <a:t>Create a list for all risk cards. </a:t>
+            </a:r>
+          </a:p>
+          <a:p>
+            <a:pPr marL="514350" marR="0" lvl="0" indent="-514350" algn="l" defTabSz="914400" rtl="0" eaLnBrk="1" fontAlgn="auto" latinLnBrk="0" hangingPunct="1">
+              <a:lnSpc>
+                <a:spcPct val="100000"/>
+              </a:lnSpc>
+              <a:spcBef>
+                <a:spcPts val="0"/>
+              </a:spcBef>
+              <a:spcAft>
+                <a:spcPts val="0"/>
+              </a:spcAft>
+              <a:buClrTx/>
+              <a:buSzTx/>
+              <a:buFont typeface="+mj-lt"/>
+              <a:buAutoNum type="arabicPeriod"/>
+              <a:tabLst/>
+              <a:defRPr/>
+            </a:pPr>
+            <a:r>
+              <a:rPr lang="en-US" sz="2600" dirty="0">
+                <a:solidFill>
+                  <a:prstClr val="white"/>
+                </a:solidFill>
+                <a:latin typeface="Calibri" panose="020F0502020204030204"/>
+              </a:rPr>
+              <a:t>If either player forfeits (new rule) add forfeit players cards to risk card list.</a:t>
+            </a:r>
+          </a:p>
+          <a:p>
+            <a:pPr marL="514350" marR="0" lvl="0" indent="-514350" algn="l" defTabSz="914400" rtl="0" eaLnBrk="1" fontAlgn="auto" latinLnBrk="0" hangingPunct="1">
+              <a:lnSpc>
+                <a:spcPct val="100000"/>
+              </a:lnSpc>
+              <a:spcBef>
+                <a:spcPts val="0"/>
+              </a:spcBef>
+              <a:spcAft>
+                <a:spcPts val="0"/>
+              </a:spcAft>
+              <a:buClrTx/>
+              <a:buSzTx/>
+              <a:buFont typeface="+mj-lt"/>
+              <a:buAutoNum type="arabicPeriod"/>
               <a:tabLst/>
               <a:defRPr/>
             </a:pPr>
@@ -13463,7 +13599,7 @@
                 <a:ea typeface="+mn-ea"/>
                 <a:cs typeface="+mn-cs"/>
               </a:rPr>
-              <a:t>A War can produce another war which means we have to call it again, so we will use a function. </a:t>
+              <a:t>Else, both players pop() 1 (or more) card and add to the risk cards list. </a:t>
             </a:r>
           </a:p>
           <a:p>
@@ -13491,35 +13627,7 @@
                 </a:solidFill>
                 <a:latin typeface="Calibri" panose="020F0502020204030204"/>
               </a:rPr>
-              <a:t>Create a list for all risk cards. </a:t>
-            </a:r>
-          </a:p>
-          <a:p>
-            <a:pPr marL="514350" marR="0" lvl="0" indent="-514350" algn="l" defTabSz="914400" rtl="0" eaLnBrk="1" fontAlgn="auto" latinLnBrk="0" hangingPunct="1">
-              <a:lnSpc>
-                <a:spcPct val="100000"/>
-              </a:lnSpc>
-              <a:spcBef>
-                <a:spcPts val="0"/>
-              </a:spcBef>
-              <a:spcAft>
-                <a:spcPts val="0"/>
-              </a:spcAft>
-              <a:buClrTx/>
-              <a:buSzTx/>
-              <a:buFont typeface="+mj-lt"/>
-              <a:buAutoNum type="arabicPeriod"/>
-              <a:tabLst/>
-              <a:defRPr/>
-            </a:pPr>
-            <a:r>
-              <a:rPr lang="en-US" sz="2600" dirty="0">
-                <a:solidFill>
-                  <a:prstClr val="white"/>
-                </a:solidFill>
-                <a:latin typeface="Calibri" panose="020F0502020204030204"/>
-              </a:rPr>
-              <a:t>If either player doesn’t have enough cards to play the war, add whatever cards they have to the risk card list.</a:t>
+              <a:t>Both players pop() 1 more as the flip card and add these to the risk pile. </a:t>
             </a:r>
           </a:p>
           <a:p>
@@ -13555,25 +13663,13 @@
                 <a:ea typeface="+mn-ea"/>
                 <a:cs typeface="+mn-cs"/>
               </a:rPr>
-              <a:t>Both players pop() 1 card and add to the risk cards list as face down cards. </a:t>
-            </a:r>
-          </a:p>
-          <a:p>
-            <a:pPr marL="514350" marR="0" lvl="0" indent="-514350" algn="l" defTabSz="914400" rtl="0" eaLnBrk="1" fontAlgn="auto" latinLnBrk="0" hangingPunct="1">
-              <a:lnSpc>
-                <a:spcPct val="100000"/>
-              </a:lnSpc>
-              <a:spcBef>
-                <a:spcPts val="0"/>
-              </a:spcBef>
-              <a:spcAft>
-                <a:spcPts val="0"/>
-              </a:spcAft>
-              <a:buClrTx/>
-              <a:buSzTx/>
-              <a:buFont typeface="+mj-lt"/>
-              <a:buAutoNum type="arabicPeriod"/>
-              <a:tabLst/>
+              <a:t>Compare the new flip cards:</a:t>
+            </a:r>
+          </a:p>
+          <a:p>
+            <a:pPr marL="971550" lvl="1" indent="-514350">
+              <a:buFont typeface="Arial" panose="020B0604020202020204" pitchFamily="34" charset="0"/>
+              <a:buChar char="•"/>
               <a:defRPr/>
             </a:pPr>
             <a:r>
@@ -13583,25 +13679,13 @@
                 </a:solidFill>
                 <a:latin typeface="Calibri" panose="020F0502020204030204"/>
               </a:rPr>
-              <a:t>Both players pop() 1 more as the face up card. Add these to the risk pile. </a:t>
-            </a:r>
-          </a:p>
-          <a:p>
-            <a:pPr marL="514350" marR="0" lvl="0" indent="-514350" algn="l" defTabSz="914400" rtl="0" eaLnBrk="1" fontAlgn="auto" latinLnBrk="0" hangingPunct="1">
-              <a:lnSpc>
-                <a:spcPct val="100000"/>
-              </a:lnSpc>
-              <a:spcBef>
-                <a:spcPts val="0"/>
-              </a:spcBef>
-              <a:spcAft>
-                <a:spcPts val="0"/>
-              </a:spcAft>
-              <a:buClrTx/>
-              <a:buSzTx/>
-              <a:buFont typeface="+mj-lt"/>
-              <a:buAutoNum type="arabicPeriod"/>
-              <a:tabLst/>
+              <a:t>Tie: Keeping the risk pile, start again at step 3. </a:t>
+            </a:r>
+          </a:p>
+          <a:p>
+            <a:pPr marL="971550" lvl="1" indent="-514350">
+              <a:buFont typeface="Arial" panose="020B0604020202020204" pitchFamily="34" charset="0"/>
+              <a:buChar char="•"/>
               <a:defRPr/>
             </a:pPr>
             <a:r>
@@ -13619,7 +13703,7 @@
                 <a:ea typeface="+mn-ea"/>
                 <a:cs typeface="+mn-cs"/>
               </a:rPr>
-              <a:t>If the flip cards again tie, recursively call the function and add the return risk cards to the original risk cards.</a:t>
+              <a:t>Non-Tie: go to step 7</a:t>
             </a:r>
           </a:p>
           <a:p>
@@ -13647,7 +13731,7 @@
                 </a:solidFill>
                 <a:latin typeface="Calibri" panose="020F0502020204030204"/>
               </a:rPr>
-              <a:t>Upon completion (one forfeits or there is a true winner) return all the results. P1 and P2 flip cards PLUS the risk list.</a:t>
+              <a:t>A player has won the war or one has forfeited. Return all the results. P1 and P2 flip cards PLUS the risk list.</a:t>
             </a:r>
           </a:p>
           <a:p>
@@ -13780,7 +13864,7 @@
         <p:spPr>
           <a:xfrm>
             <a:off x="624625" y="1423721"/>
-            <a:ext cx="10550556" cy="3693319"/>
+            <a:ext cx="10550556" cy="4832092"/>
           </a:xfrm>
           <a:prstGeom prst="rect">
             <a:avLst/>
@@ -13811,7 +13895,7 @@
               <a:defRPr/>
             </a:pPr>
             <a:r>
-              <a:rPr kumimoji="0" lang="en-US" sz="2600" b="0" i="0" u="none" strike="noStrike" kern="1200" cap="none" spc="0" normalizeH="0" baseline="0" noProof="0" dirty="0">
+              <a:rPr kumimoji="0" lang="en-US" sz="2800" b="0" i="0" u="none" strike="noStrike" kern="1200" cap="none" spc="0" normalizeH="0" baseline="0" noProof="0" dirty="0">
                 <a:ln>
                   <a:noFill/>
                 </a:ln>
@@ -13825,7 +13909,7 @@
                 <a:ea typeface="+mn-ea"/>
                 <a:cs typeface="+mn-cs"/>
               </a:rPr>
-              <a:t>We took the card game of war and first broke it down into 2 steps – Deck and Game Play. We then broke those steps down into smaller steps that are much simpler to solve. In fact we created 15 smaller steps in all</a:t>
+              <a:t>We took the card game of war and first broke it down into 4 problems. We then broke those problems down into 15 small steps that make the larger problem look fairly trivial. </a:t>
             </a:r>
           </a:p>
           <a:p>
@@ -13846,7 +13930,7 @@
               <a:tabLst/>
               <a:defRPr/>
             </a:pPr>
-            <a:endParaRPr lang="en-US" sz="2600" dirty="0">
+            <a:endParaRPr lang="en-US" sz="2800" dirty="0">
               <a:solidFill>
                 <a:prstClr val="white"/>
               </a:solidFill>
@@ -13872,7 +13956,7 @@
               <a:defRPr/>
             </a:pPr>
             <a:r>
-              <a:rPr kumimoji="0" lang="en-US" sz="2600" b="0" i="0" u="none" strike="noStrike" kern="1200" cap="none" spc="0" normalizeH="0" baseline="0" noProof="0" dirty="0">
+              <a:rPr kumimoji="0" lang="en-US" sz="2800" b="0" i="0" u="none" strike="noStrike" kern="1200" cap="none" spc="0" normalizeH="0" baseline="0" noProof="0" dirty="0">
                 <a:ln>
                   <a:noFill/>
                 </a:ln>
@@ -13886,7 +13970,7 @@
                 <a:ea typeface="+mn-ea"/>
                 <a:cs typeface="+mn-cs"/>
               </a:rPr>
-              <a:t>	Problem 1 : Deck was broken down into 3 steps</a:t>
+              <a:t>	Problem 1 : Deck was broken down into 3 coding steps</a:t>
             </a:r>
           </a:p>
           <a:p>
@@ -13908,13 +13992,13 @@
               <a:defRPr/>
             </a:pPr>
             <a:r>
-              <a:rPr lang="en-US" sz="2600" dirty="0">
+              <a:rPr lang="en-US" sz="2800" dirty="0">
                 <a:solidFill>
                   <a:prstClr val="white"/>
                 </a:solidFill>
                 <a:latin typeface="Calibri" panose="020F0502020204030204"/>
               </a:rPr>
-              <a:t>	Problem 2: Game play was broken down into multiple sub steps.</a:t>
+              <a:t>	Problem 3: Standard play was broken down into 4 coding steps.</a:t>
             </a:r>
           </a:p>
           <a:p>
@@ -13936,21 +14020,13 @@
               <a:defRPr/>
             </a:pPr>
             <a:r>
-              <a:rPr kumimoji="0" lang="en-US" sz="2600" b="0" i="0" u="none" strike="noStrike" kern="1200" cap="none" spc="0" normalizeH="0" baseline="0" noProof="0" dirty="0">
-                <a:ln>
-                  <a:noFill/>
-                </a:ln>
+              <a:rPr lang="en-US" sz="2800" dirty="0">
                 <a:solidFill>
                   <a:prstClr val="white"/>
                 </a:solidFill>
-                <a:effectLst/>
-                <a:uLnTx/>
-                <a:uFillTx/>
                 <a:latin typeface="Calibri" panose="020F0502020204030204"/>
-                <a:ea typeface="+mn-ea"/>
-                <a:cs typeface="+mn-cs"/>
               </a:rPr>
-              <a:t>		Standard Play was broken down into 4 steps</a:t>
+              <a:t>	Problem 4: War, the most complicated, was broken down into </a:t>
             </a:r>
           </a:p>
           <a:p>
@@ -13972,13 +14048,13 @@
               <a:defRPr/>
             </a:pPr>
             <a:r>
-              <a:rPr lang="en-US" sz="2600" dirty="0">
+              <a:rPr lang="en-US" sz="2800" dirty="0">
                 <a:solidFill>
                   <a:prstClr val="white"/>
                 </a:solidFill>
                 <a:latin typeface="Calibri" panose="020F0502020204030204"/>
               </a:rPr>
-              <a:t>		War was broken down into 7 steps</a:t>
+              <a:t>		         7 coding steps. </a:t>
             </a:r>
           </a:p>
           <a:p>
@@ -14000,45 +14076,67 @@
               <a:defRPr/>
             </a:pPr>
             <a:r>
-              <a:rPr kumimoji="0" lang="en-US" sz="2600" b="0" i="0" u="none" strike="noStrike" kern="1200" cap="none" spc="0" normalizeH="0" baseline="0" noProof="0" dirty="0">
-                <a:ln>
-                  <a:noFill/>
-                </a:ln>
-                <a:solidFill>
-                  <a:prstClr val="white"/>
-                </a:solidFill>
-                <a:effectLst/>
-                <a:uLnTx/>
-                <a:uFillTx/>
-                <a:latin typeface="Calibri" panose="020F0502020204030204"/>
-                <a:ea typeface="+mn-ea"/>
-                <a:cs typeface="+mn-cs"/>
-              </a:rPr>
-              <a:t>		End</a:t>
-            </a:r>
-            <a:r>
-              <a:rPr lang="en-US" sz="2600" dirty="0">
+              <a:rPr lang="en-US" sz="2800" dirty="0">
                 <a:solidFill>
                   <a:prstClr val="white"/>
                 </a:solidFill>
                 <a:latin typeface="Calibri" panose="020F0502020204030204"/>
               </a:rPr>
-              <a:t> of Game was a single step.</a:t>
-            </a:r>
-            <a:endParaRPr kumimoji="0" lang="en-US" sz="2000" b="0" i="0" u="none" strike="noStrike" kern="1200" cap="none" spc="0" normalizeH="0" baseline="0" noProof="0" dirty="0">
-              <a:ln>
-                <a:noFill/>
-              </a:ln>
+              <a:t>	Problem 2: End of game was a single coding step. </a:t>
+            </a:r>
+          </a:p>
+          <a:p>
+            <a:pPr marL="0" marR="0" lvl="0" indent="0" algn="l" defTabSz="914400" rtl="0" eaLnBrk="1" fontAlgn="auto" latinLnBrk="0" hangingPunct="1">
+              <a:lnSpc>
+                <a:spcPct val="100000"/>
+              </a:lnSpc>
+              <a:spcBef>
+                <a:spcPts val="0"/>
+              </a:spcBef>
+              <a:spcAft>
+                <a:spcPts val="0"/>
+              </a:spcAft>
+              <a:buClrTx/>
+              <a:buSzTx/>
+              <a:buFontTx/>
+              <a:buNone/>
+              <a:tabLst/>
+              <a:defRPr/>
+            </a:pPr>
+            <a:endParaRPr lang="en-US" sz="2800" dirty="0">
               <a:solidFill>
                 <a:prstClr val="white"/>
               </a:solidFill>
-              <a:effectLst/>
-              <a:uLnTx/>
-              <a:uFillTx/>
               <a:latin typeface="Calibri" panose="020F0502020204030204"/>
-              <a:ea typeface="+mn-ea"/>
-              <a:cs typeface="+mn-cs"/>
             </a:endParaRPr>
+          </a:p>
+          <a:p>
+            <a:pPr marL="0" marR="0" lvl="0" indent="0" algn="l" defTabSz="914400" rtl="0" eaLnBrk="1" fontAlgn="auto" latinLnBrk="0" hangingPunct="1">
+              <a:lnSpc>
+                <a:spcPct val="100000"/>
+              </a:lnSpc>
+              <a:spcBef>
+                <a:spcPts val="0"/>
+              </a:spcBef>
+              <a:spcAft>
+                <a:spcPts val="0"/>
+              </a:spcAft>
+              <a:buClrTx/>
+              <a:buSzTx/>
+              <a:buFontTx/>
+              <a:buNone/>
+              <a:tabLst/>
+              <a:defRPr/>
+            </a:pPr>
+            <a:r>
+              <a:rPr lang="en-US" sz="2800" dirty="0">
+                <a:solidFill>
+                  <a:prstClr val="white"/>
+                </a:solidFill>
+                <a:latin typeface="Calibri" panose="020F0502020204030204"/>
+              </a:rPr>
+              <a:t>NOTE: Problems are numbered in the order we solved them…</a:t>
+            </a:r>
           </a:p>
         </p:txBody>
       </p:sp>
@@ -14126,7 +14224,7 @@
         <p:spPr>
           <a:xfrm>
             <a:off x="624625" y="1423721"/>
-            <a:ext cx="10550556" cy="4708981"/>
+            <a:ext cx="10550556" cy="5170646"/>
           </a:xfrm>
           <a:prstGeom prst="rect">
             <a:avLst/>
@@ -14232,7 +14330,7 @@
                 <a:ea typeface="+mn-ea"/>
                 <a:cs typeface="+mn-cs"/>
               </a:rPr>
-              <a:t>The smaller problems, in many cases, can further be broken down. </a:t>
+              <a:t>The smaller problems, in many cases, can further be broken down to individual tasks. </a:t>
             </a:r>
           </a:p>
           <a:p>
@@ -14293,7 +14391,7 @@
                 <a:ea typeface="+mn-ea"/>
                 <a:cs typeface="+mn-cs"/>
               </a:rPr>
-              <a:t>Once it’s simplified enough, you can start the actual work of building your program by picking off each of the broken down problem statements to create the final program. </a:t>
+              <a:t>Once it’s simplified enough, you can start the actual work of building your program by picking off each of the broken down problems to create the program (or function). </a:t>
             </a:r>
           </a:p>
           <a:p>
@@ -14538,7 +14636,7 @@
             </a:r>
             <a:r>
               <a:rPr lang="en-US" sz="3200" dirty="0"/>
-              <a:t> is an algorithm works by recursively breaking down a problem into two or more sub-problems until these become simple enough to be solved directly. (Keep breaking the problem into smaller problems)</a:t>
+              <a:t> is an algorithm that works by recursively breaking down a problem into two or more sub-problems until these become simple enough to be solved directly. (Keep breaking the problem into smaller problems)</a:t>
             </a:r>
           </a:p>
           <a:p>
@@ -14765,7 +14863,7 @@
           <a:p>
             <a:r>
               <a:rPr lang="en-US" dirty="0"/>
-              <a:t>What we know…..</a:t>
+              <a:t>Divide and Conquer</a:t>
             </a:r>
           </a:p>
         </p:txBody>
@@ -14784,8 +14882,8 @@
         </p:nvSpPr>
         <p:spPr>
           <a:xfrm>
-            <a:off x="251138" y="1102578"/>
-            <a:ext cx="10891846" cy="5262979"/>
+            <a:off x="631065" y="1423721"/>
+            <a:ext cx="10544116" cy="5078313"/>
           </a:xfrm>
           <a:prstGeom prst="rect">
             <a:avLst/>
@@ -14798,7 +14896,7 @@
           </a:bodyPr>
           <a:lstStyle/>
           <a:p>
-            <a:pPr marL="571500" marR="0" lvl="0" indent="-571500" algn="l" defTabSz="914400" rtl="0" eaLnBrk="1" fontAlgn="auto" latinLnBrk="0" hangingPunct="1">
+            <a:pPr marL="0" marR="0" lvl="0" indent="0" algn="l" defTabSz="914400" rtl="0" eaLnBrk="1" fontAlgn="auto" latinLnBrk="0" hangingPunct="1">
               <a:lnSpc>
                 <a:spcPct val="100000"/>
               </a:lnSpc>
@@ -14810,13 +14908,13 @@
               </a:spcAft>
               <a:buClrTx/>
               <a:buSzTx/>
-              <a:buFont typeface="Arial" panose="020B0604020202020204" pitchFamily="34" charset="0"/>
-              <a:buChar char="•"/>
+              <a:buFontTx/>
+              <a:buNone/>
               <a:tabLst/>
               <a:defRPr/>
             </a:pPr>
             <a:r>
-              <a:rPr kumimoji="0" lang="en-US" sz="2800" b="0" i="0" u="none" strike="noStrike" kern="1200" cap="none" spc="0" normalizeH="0" baseline="0" noProof="0" dirty="0">
+              <a:rPr kumimoji="0" lang="en-US" sz="3600" b="0" i="0" u="none" strike="noStrike" kern="1200" cap="none" spc="0" normalizeH="0" baseline="0" noProof="0" dirty="0">
                 <a:ln>
                   <a:noFill/>
                 </a:ln>
@@ -14830,11 +14928,11 @@
                 <a:ea typeface="+mn-ea"/>
                 <a:cs typeface="+mn-cs"/>
               </a:rPr>
-              <a:t>One card deck is shuffled and split into two even piles, one for each player.</a:t>
-            </a:r>
-          </a:p>
-          <a:p>
-            <a:pPr marR="0" lvl="0" algn="l" defTabSz="914400" rtl="0" eaLnBrk="1" fontAlgn="auto" latinLnBrk="0" hangingPunct="1">
+              <a:t>There are several problems we have to tackle, so start by collecting the game rules and breaking it down to smaller steps. </a:t>
+            </a:r>
+          </a:p>
+          <a:p>
+            <a:pPr marL="0" marR="0" lvl="0" indent="0" algn="l" defTabSz="914400" rtl="0" eaLnBrk="1" fontAlgn="auto" latinLnBrk="0" hangingPunct="1">
               <a:lnSpc>
                 <a:spcPct val="100000"/>
               </a:lnSpc>
@@ -14846,10 +14944,12 @@
               </a:spcAft>
               <a:buClrTx/>
               <a:buSzTx/>
+              <a:buFontTx/>
+              <a:buNone/>
               <a:tabLst/>
               <a:defRPr/>
             </a:pPr>
-            <a:endParaRPr kumimoji="0" lang="en-US" sz="2800" b="0" i="0" u="none" strike="noStrike" kern="1200" cap="none" spc="0" normalizeH="0" baseline="0" noProof="0" dirty="0">
+            <a:endParaRPr kumimoji="0" lang="en-US" sz="3600" b="1" i="0" u="none" strike="noStrike" kern="1200" cap="all" spc="0" normalizeH="0" baseline="0" noProof="0" dirty="0">
               <a:ln>
                 <a:noFill/>
               </a:ln>
@@ -14865,12 +14965,25 @@
             </a:endParaRPr>
           </a:p>
           <a:p>
-            <a:pPr marL="571500" lvl="0" indent="-571500">
-              <a:buFont typeface="Arial" panose="020B0604020202020204" pitchFamily="34" charset="0"/>
-              <a:buChar char="•"/>
+            <a:pPr marL="0" marR="0" lvl="0" indent="0" algn="l" defTabSz="914400" rtl="0" eaLnBrk="1" fontAlgn="auto" latinLnBrk="0" hangingPunct="1">
+              <a:lnSpc>
+                <a:spcPct val="100000"/>
+              </a:lnSpc>
+              <a:spcBef>
+                <a:spcPts val="0"/>
+              </a:spcBef>
+              <a:spcAft>
+                <a:spcPts val="0"/>
+              </a:spcAft>
+              <a:buClrTx/>
+              <a:buSzTx/>
+              <a:buFontTx/>
+              <a:buNone/>
+              <a:tabLst/>
+              <a:defRPr/>
             </a:pPr>
             <a:r>
-              <a:rPr kumimoji="0" lang="en-US" sz="2800" b="0" i="0" u="none" strike="noStrike" kern="1200" cap="none" spc="0" normalizeH="0" baseline="0" noProof="0" dirty="0">
+              <a:rPr kumimoji="0" lang="en-US" sz="3600" b="1" i="0" u="none" strike="noStrike" kern="1200" cap="all" spc="0" normalizeH="0" baseline="0" noProof="0" dirty="0">
                 <a:ln>
                   <a:noFill/>
                 </a:ln>
@@ -14884,28 +14997,57 @@
                 <a:ea typeface="+mn-ea"/>
                 <a:cs typeface="+mn-cs"/>
               </a:rPr>
-              <a:t>Cards are played from the top of the player pile. </a:t>
-            </a:r>
-          </a:p>
-          <a:p>
-            <a:pPr marL="571500" lvl="0" indent="-571500">
-              <a:buFont typeface="Arial" panose="020B0604020202020204" pitchFamily="34" charset="0"/>
-              <a:buChar char="•"/>
+              <a:t>	Card Deck</a:t>
+            </a:r>
+          </a:p>
+          <a:p>
+            <a:pPr marL="0" marR="0" lvl="0" indent="0" algn="l" defTabSz="914400" rtl="0" eaLnBrk="1" fontAlgn="auto" latinLnBrk="0" hangingPunct="1">
+              <a:lnSpc>
+                <a:spcPct val="100000"/>
+              </a:lnSpc>
+              <a:spcBef>
+                <a:spcPts val="0"/>
+              </a:spcBef>
+              <a:spcAft>
+                <a:spcPts val="0"/>
+              </a:spcAft>
+              <a:buClrTx/>
+              <a:buSzTx/>
+              <a:buFontTx/>
+              <a:buNone/>
+              <a:tabLst/>
+              <a:defRPr/>
             </a:pPr>
-            <a:endParaRPr lang="en-US" sz="2800" dirty="0">
-              <a:solidFill>
-                <a:prstClr val="white"/>
-              </a:solidFill>
-              <a:latin typeface="Calibri" panose="020F0502020204030204"/>
-            </a:endParaRPr>
-          </a:p>
-          <a:p>
-            <a:pPr marL="571500" lvl="0" indent="-571500">
-              <a:buFont typeface="Arial" panose="020B0604020202020204" pitchFamily="34" charset="0"/>
-              <a:buChar char="•"/>
+            <a:r>
+              <a:rPr lang="en-US" sz="3600" b="1" cap="all" dirty="0">
+                <a:solidFill>
+                  <a:prstClr val="white"/>
+                </a:solidFill>
+                <a:latin typeface="Calibri" panose="020F0502020204030204"/>
+              </a:rPr>
+              <a:t>	Game play</a:t>
+            </a:r>
+          </a:p>
+          <a:p>
+            <a:pPr marL="0" marR="0" lvl="0" indent="0" algn="l" defTabSz="914400" rtl="0" eaLnBrk="1" fontAlgn="auto" latinLnBrk="0" hangingPunct="1">
+              <a:lnSpc>
+                <a:spcPct val="100000"/>
+              </a:lnSpc>
+              <a:spcBef>
+                <a:spcPts val="0"/>
+              </a:spcBef>
+              <a:spcAft>
+                <a:spcPts val="0"/>
+              </a:spcAft>
+              <a:buClrTx/>
+              <a:buSzTx/>
+              <a:buFontTx/>
+              <a:buNone/>
+              <a:tabLst/>
+              <a:defRPr/>
             </a:pPr>
             <a:r>
-              <a:rPr kumimoji="0" lang="en-US" sz="2800" b="0" i="0" u="none" strike="noStrike" kern="1200" cap="none" spc="0" normalizeH="0" baseline="0" noProof="0" dirty="0">
+              <a:rPr kumimoji="0" lang="en-US" sz="3600" b="1" i="0" u="none" strike="noStrike" kern="1200" cap="all" spc="0" normalizeH="0" baseline="0" noProof="0" dirty="0">
                 <a:ln>
                   <a:noFill/>
                 </a:ln>
@@ -14919,82 +15061,123 @@
                 <a:ea typeface="+mn-ea"/>
                 <a:cs typeface="+mn-cs"/>
               </a:rPr>
-              <a:t>Game play means both players turn cards over at the same time.</a:t>
-            </a:r>
-          </a:p>
-          <a:p>
-            <a:pPr marL="571500" lvl="0" indent="-571500">
-              <a:buFont typeface="Arial" panose="020B0604020202020204" pitchFamily="34" charset="0"/>
-              <a:buChar char="•"/>
-            </a:pPr>
-            <a:endParaRPr lang="en-US" sz="2800" dirty="0">
-              <a:solidFill>
-                <a:prstClr val="white"/>
-              </a:solidFill>
-              <a:latin typeface="Calibri" panose="020F0502020204030204"/>
-            </a:endParaRPr>
-          </a:p>
-          <a:p>
-            <a:pPr marL="571500" lvl="0" indent="-571500">
-              <a:buFont typeface="Arial" panose="020B0604020202020204" pitchFamily="34" charset="0"/>
-              <a:buChar char="•"/>
-            </a:pPr>
-            <a:r>
-              <a:rPr lang="en-US" sz="2800" dirty="0">
+              <a:t>		</a:t>
+            </a:r>
+            <a:r>
+              <a:rPr kumimoji="0" lang="en-US" sz="3600" b="1" i="0" u="none" strike="noStrike" kern="1200" cap="all" spc="0" normalizeH="0" baseline="0" noProof="0" dirty="0" err="1">
+                <a:ln>
+                  <a:noFill/>
+                </a:ln>
+                <a:solidFill>
+                  <a:prstClr val="white"/>
+                </a:solidFill>
+                <a:effectLst/>
+                <a:uLnTx/>
+                <a:uFillTx/>
+                <a:latin typeface="Calibri" panose="020F0502020204030204"/>
+                <a:ea typeface="+mn-ea"/>
+                <a:cs typeface="+mn-cs"/>
+              </a:rPr>
+              <a:t>sta</a:t>
+            </a:r>
+            <a:r>
+              <a:rPr lang="en-US" sz="3600" b="1" cap="all" dirty="0" err="1">
                 <a:solidFill>
                   <a:prstClr val="white"/>
                 </a:solidFill>
                 <a:latin typeface="Calibri" panose="020F0502020204030204"/>
               </a:rPr>
-              <a:t>Each round produces one winner who takes the cards at “risk”.</a:t>
-            </a:r>
-          </a:p>
-          <a:p>
-            <a:pPr marL="1028700" lvl="1" indent="-571500">
-              <a:buFont typeface="Arial" panose="020B0604020202020204" pitchFamily="34" charset="0"/>
-              <a:buChar char="•"/>
-            </a:pPr>
-            <a:r>
-              <a:rPr lang="en-US" sz="2800" dirty="0">
+              <a:t>ndard</a:t>
+            </a:r>
+            <a:r>
+              <a:rPr lang="en-US" sz="3600" b="1" cap="all" dirty="0">
                 <a:solidFill>
                   <a:prstClr val="white"/>
                 </a:solidFill>
                 <a:latin typeface="Calibri" panose="020F0502020204030204"/>
               </a:rPr>
-              <a:t>Highest card wins the match</a:t>
-            </a:r>
-          </a:p>
-          <a:p>
-            <a:pPr marL="1028700" lvl="1" indent="-571500">
-              <a:buFont typeface="Arial" panose="020B0604020202020204" pitchFamily="34" charset="0"/>
-              <a:buChar char="•"/>
+              <a:t> play</a:t>
+            </a:r>
+          </a:p>
+          <a:p>
+            <a:pPr marL="0" marR="0" lvl="0" indent="0" algn="l" defTabSz="914400" rtl="0" eaLnBrk="1" fontAlgn="auto" latinLnBrk="0" hangingPunct="1">
+              <a:lnSpc>
+                <a:spcPct val="100000"/>
+              </a:lnSpc>
+              <a:spcBef>
+                <a:spcPts val="0"/>
+              </a:spcBef>
+              <a:spcAft>
+                <a:spcPts val="0"/>
+              </a:spcAft>
+              <a:buClrTx/>
+              <a:buSzTx/>
+              <a:buFontTx/>
+              <a:buNone/>
+              <a:tabLst/>
+              <a:defRPr/>
             </a:pPr>
             <a:r>
-              <a:rPr lang="en-US" sz="2800" dirty="0">
+              <a:rPr kumimoji="0" lang="en-US" sz="3600" b="1" i="0" u="none" strike="noStrike" kern="1200" cap="all" spc="0" normalizeH="0" baseline="0" noProof="0" dirty="0">
+                <a:ln>
+                  <a:noFill/>
+                </a:ln>
+                <a:solidFill>
+                  <a:prstClr val="white"/>
+                </a:solidFill>
+                <a:effectLst/>
+                <a:uLnTx/>
+                <a:uFillTx/>
+                <a:latin typeface="Calibri" panose="020F0502020204030204"/>
+                <a:ea typeface="+mn-ea"/>
+                <a:cs typeface="+mn-cs"/>
+              </a:rPr>
+              <a:t>		</a:t>
+            </a:r>
+            <a:r>
+              <a:rPr lang="en-US" sz="3600" b="1" cap="all" dirty="0">
                 <a:solidFill>
                   <a:prstClr val="white"/>
                 </a:solidFill>
                 <a:latin typeface="Calibri" panose="020F0502020204030204"/>
               </a:rPr>
-              <a:t>A tie leads to a war.</a:t>
-            </a:r>
-            <a:endParaRPr lang="en-US" sz="2800" dirty="0"/>
-          </a:p>
-          <a:p>
-            <a:pPr marL="571500" lvl="0" indent="-571500">
-              <a:buFont typeface="Arial" panose="020B0604020202020204" pitchFamily="34" charset="0"/>
-              <a:buChar char="•"/>
+              <a:t>war</a:t>
+            </a:r>
+          </a:p>
+          <a:p>
+            <a:pPr marL="0" marR="0" lvl="0" indent="0" algn="l" defTabSz="914400" rtl="0" eaLnBrk="1" fontAlgn="auto" latinLnBrk="0" hangingPunct="1">
+              <a:lnSpc>
+                <a:spcPct val="100000"/>
+              </a:lnSpc>
+              <a:spcBef>
+                <a:spcPts val="0"/>
+              </a:spcBef>
+              <a:spcAft>
+                <a:spcPts val="0"/>
+              </a:spcAft>
+              <a:buClrTx/>
+              <a:buSzTx/>
+              <a:buFontTx/>
+              <a:buNone/>
+              <a:tabLst/>
+              <a:defRPr/>
             </a:pPr>
-            <a:endParaRPr lang="en-US" sz="2800" dirty="0"/>
-          </a:p>
-          <a:p>
-            <a:pPr marL="571500" lvl="0" indent="-571500">
-              <a:buFont typeface="Arial" panose="020B0604020202020204" pitchFamily="34" charset="0"/>
-              <a:buChar char="•"/>
-            </a:pPr>
-            <a:r>
-              <a:rPr lang="en-US" sz="2800" dirty="0"/>
-              <a:t>Game ends when one of the players has all the cards. </a:t>
+            <a:r>
+              <a:rPr kumimoji="0" lang="en-US" sz="3600" b="1" i="0" u="none" strike="noStrike" kern="1200" cap="all" spc="0" normalizeH="0" baseline="0" noProof="0" dirty="0">
+                <a:ln>
+                  <a:noFill/>
+                </a:ln>
+                <a:solidFill>
+                  <a:prstClr val="white"/>
+                </a:solidFill>
+                <a:effectLst/>
+                <a:uLnTx/>
+                <a:uFillTx/>
+                <a:latin typeface="Calibri" panose="020F0502020204030204"/>
+                <a:ea typeface="+mn-ea"/>
+                <a:cs typeface="+mn-cs"/>
+              </a:rPr>
+              <a:t>		end of game</a:t>
             </a:r>
           </a:p>
         </p:txBody>
@@ -15002,7 +15185,7 @@
     </p:spTree>
     <p:extLst>
       <p:ext uri="{BB962C8B-B14F-4D97-AF65-F5344CB8AC3E}">
-        <p14:creationId xmlns:p14="http://schemas.microsoft.com/office/powerpoint/2010/main" val="1628933036"/>
+        <p14:creationId xmlns:p14="http://schemas.microsoft.com/office/powerpoint/2010/main" val="3802288501"/>
       </p:ext>
     </p:extLst>
   </p:cSld>
@@ -15316,7 +15499,7 @@
           <a:p>
             <a:r>
               <a:rPr lang="en-US" dirty="0"/>
-              <a:t>P1: Deck Breakdown</a:t>
+              <a:t>P1: Deck Breakdown (Steps)</a:t>
             </a:r>
           </a:p>
         </p:txBody>
@@ -15379,7 +15562,7 @@
                 <a:ea typeface="+mn-ea"/>
                 <a:cs typeface="+mn-cs"/>
               </a:rPr>
-              <a:t>Now that we know what a deck is, what steps do we need to perform? (Divide and Conquer creates 3 steps)</a:t>
+              <a:t>Now that we know what a deck is, what steps do we need to perform? (Divide and Conquer creates 3 distinct coding steps)</a:t>
             </a:r>
           </a:p>
           <a:p>
@@ -15710,7 +15893,7 @@
           <a:p>
             <a:r>
               <a:rPr lang="en-US" dirty="0"/>
-              <a:t>P2: Game Play</a:t>
+              <a:t>Game Play</a:t>
             </a:r>
           </a:p>
         </p:txBody>
@@ -15773,8 +15956,39 @@
                 <a:ea typeface="+mn-ea"/>
                 <a:cs typeface="+mn-cs"/>
               </a:rPr>
-              <a:t>Now that we have figured out how to create the playing cards and distribute them to each player, we can focus on what the game play would look like. </a:t>
-            </a:r>
+              <a:t>Given that we solved the card problem, we can move on to the game play problems. </a:t>
+            </a:r>
+          </a:p>
+          <a:p>
+            <a:pPr marR="0" lvl="0" algn="l" defTabSz="914400" rtl="0" eaLnBrk="1" fontAlgn="auto" latinLnBrk="0" hangingPunct="1">
+              <a:lnSpc>
+                <a:spcPct val="100000"/>
+              </a:lnSpc>
+              <a:spcBef>
+                <a:spcPts val="0"/>
+              </a:spcBef>
+              <a:spcAft>
+                <a:spcPts val="0"/>
+              </a:spcAft>
+              <a:buClrTx/>
+              <a:buSzTx/>
+              <a:tabLst/>
+              <a:defRPr/>
+            </a:pPr>
+            <a:endParaRPr kumimoji="0" lang="en-US" sz="3200" b="0" i="0" u="none" strike="noStrike" kern="1200" cap="none" spc="0" normalizeH="0" baseline="0" noProof="0" dirty="0">
+              <a:ln>
+                <a:noFill/>
+              </a:ln>
+              <a:solidFill>
+                <a:prstClr val="white"/>
+              </a:solidFill>
+              <a:effectLst/>
+              <a:uLnTx/>
+              <a:uFillTx/>
+              <a:latin typeface="Calibri" panose="020F0502020204030204"/>
+              <a:ea typeface="+mn-ea"/>
+              <a:cs typeface="+mn-cs"/>
+            </a:endParaRPr>
           </a:p>
           <a:p>
             <a:pPr marL="571500" marR="0" lvl="0" indent="-571500" algn="l" defTabSz="914400" rtl="0" eaLnBrk="1" fontAlgn="auto" latinLnBrk="0" hangingPunct="1">
@@ -15874,7 +16088,7 @@
                 <a:ea typeface="+mn-ea"/>
                 <a:cs typeface="+mn-cs"/>
               </a:rPr>
-              <a:t>War</a:t>
+              <a:t>War (because it’s complicated, it becomes a separate issue to solve)</a:t>
             </a:r>
           </a:p>
           <a:p>
@@ -15910,7 +16124,7 @@
                 <a:ea typeface="+mn-ea"/>
                 <a:cs typeface="+mn-cs"/>
               </a:rPr>
-              <a:t>Each player flips a card, they are equal, now they turn more cards to find the winner. </a:t>
+              <a:t>Each player flips a card (standard play), they are equal, now they turn more cards to find the winner. </a:t>
             </a:r>
           </a:p>
           <a:p>
@@ -16142,7 +16356,7 @@
                 <a:ea typeface="+mn-ea"/>
                 <a:cs typeface="+mn-cs"/>
               </a:rPr>
-              <a:t>Sometimes it makes sense to look through the sub problems and pick off the easiest first. This allows you to put some structure to your code.</a:t>
+              <a:t>Sometimes it makes sense to look through the sub problems and pick off the easiest first. Logically step 2 should be standard play, but we want to first code how the game ends and allows us to start structuring our program.</a:t>
             </a:r>
           </a:p>
           <a:p>
@@ -16171,7 +16385,7 @@
             </a:endParaRPr>
           </a:p>
           <a:p>
-            <a:pPr marL="0" marR="0" lvl="0" indent="0" algn="l" defTabSz="914400" rtl="0" eaLnBrk="1" fontAlgn="auto" latinLnBrk="0" hangingPunct="1">
+            <a:pPr marL="457200" marR="0" lvl="0" indent="-457200" algn="l" defTabSz="914400" rtl="0" eaLnBrk="1" fontAlgn="auto" latinLnBrk="0" hangingPunct="1">
               <a:lnSpc>
                 <a:spcPct val="100000"/>
               </a:lnSpc>
@@ -16183,8 +16397,8 @@
               </a:spcAft>
               <a:buClrTx/>
               <a:buSzTx/>
-              <a:buFontTx/>
-              <a:buNone/>
+              <a:buFont typeface="Arial" panose="020B0604020202020204" pitchFamily="34" charset="0"/>
+              <a:buChar char="•"/>
               <a:tabLst/>
               <a:defRPr/>
             </a:pPr>
@@ -16213,7 +16427,7 @@
             </a:endParaRPr>
           </a:p>
           <a:p>
-            <a:pPr marL="0" marR="0" lvl="0" indent="0" algn="l" defTabSz="914400" rtl="0" eaLnBrk="1" fontAlgn="auto" latinLnBrk="0" hangingPunct="1">
+            <a:pPr marL="457200" marR="0" lvl="0" indent="-457200" algn="l" defTabSz="914400" rtl="0" eaLnBrk="1" fontAlgn="auto" latinLnBrk="0" hangingPunct="1">
               <a:lnSpc>
                 <a:spcPct val="100000"/>
               </a:lnSpc>
@@ -16225,41 +16439,8 @@
               </a:spcAft>
               <a:buClrTx/>
               <a:buSzTx/>
-              <a:buFontTx/>
-              <a:buNone/>
-              <a:tabLst/>
-              <a:defRPr/>
-            </a:pPr>
-            <a:endParaRPr kumimoji="0" lang="en-US" sz="3000" b="0" i="0" u="none" strike="noStrike" kern="1200" cap="none" spc="0" normalizeH="0" baseline="0" noProof="0" dirty="0">
-              <a:ln>
-                <a:noFill/>
-              </a:ln>
-              <a:solidFill>
-                <a:prstClr val="white"/>
-              </a:solidFill>
-              <a:effectLst/>
-              <a:uLnTx/>
-              <a:uFillTx/>
-              <a:latin typeface="Calibri" panose="020F0502020204030204"/>
-              <a:ea typeface="+mn-ea"/>
-              <a:cs typeface="+mn-cs"/>
-            </a:endParaRPr>
-          </a:p>
-          <a:p>
-            <a:pPr marL="0" marR="0" lvl="0" indent="0" algn="l" defTabSz="914400" rtl="0" eaLnBrk="1" fontAlgn="auto" latinLnBrk="0" hangingPunct="1">
-              <a:lnSpc>
-                <a:spcPct val="100000"/>
-              </a:lnSpc>
-              <a:spcBef>
-                <a:spcPts val="0"/>
-              </a:spcBef>
-              <a:spcAft>
-                <a:spcPts val="0"/>
-              </a:spcAft>
-              <a:buClrTx/>
-              <a:buSzTx/>
-              <a:buFontTx/>
-              <a:buNone/>
+              <a:buFont typeface="Arial" panose="020B0604020202020204" pitchFamily="34" charset="0"/>
+              <a:buChar char="•"/>
               <a:tabLst/>
               <a:defRPr/>
             </a:pPr>
@@ -16323,7 +16504,7 @@
                 </a:solidFill>
                 <a:latin typeface="Calibri" panose="020F0502020204030204"/>
               </a:rPr>
-              <a:t>while </a:t>
+              <a:t>	while </a:t>
             </a:r>
             <a:r>
               <a:rPr lang="en-US" sz="3000" dirty="0" err="1">
@@ -16387,7 +16568,7 @@
                 </a:solidFill>
                 <a:latin typeface="Calibri" panose="020F0502020204030204"/>
               </a:rPr>
-              <a:t>	# Play game…..</a:t>
+              <a:t>		# Play game…..</a:t>
             </a:r>
           </a:p>
           <a:p>
@@ -16492,7 +16673,7 @@
           <a:p>
             <a:r>
               <a:rPr lang="en-US" dirty="0"/>
-              <a:t>P2: Standard Play</a:t>
+              <a:t>P3: Standard Play</a:t>
             </a:r>
           </a:p>
         </p:txBody>
@@ -16557,7 +16738,7 @@
                 <a:ea typeface="+mn-ea"/>
                 <a:cs typeface="+mn-cs"/>
               </a:rPr>
-              <a:t>The next easiest step is Standard Play, but this gets broken down as well. Again, we need to remember we are using lists to represent each players cards:</a:t>
+              <a:t>The next simplest, and most common part of the game, is Standard Play. However, for coding tasks this gets broken down into smaller steps. </a:t>
             </a:r>
           </a:p>
           <a:p>

--- a/5_presentations/DivideAndConquer.pptx
+++ b/5_presentations/DivideAndConquer.pptx
@@ -6,14 +6,14 @@
     <p:sldMasterId id="2147483661" r:id="rId2"/>
   </p:sldMasterIdLst>
   <p:notesMasterIdLst>
-    <p:notesMasterId r:id="rId18"/>
+    <p:notesMasterId r:id="rId17"/>
   </p:notesMasterIdLst>
   <p:sldIdLst>
     <p:sldId id="256" r:id="rId3"/>
     <p:sldId id="1574" r:id="rId4"/>
     <p:sldId id="1627" r:id="rId5"/>
-    <p:sldId id="1639" r:id="rId6"/>
-    <p:sldId id="1624" r:id="rId7"/>
+    <p:sldId id="1640" r:id="rId6"/>
+    <p:sldId id="1639" r:id="rId7"/>
     <p:sldId id="1629" r:id="rId8"/>
     <p:sldId id="1630" r:id="rId9"/>
     <p:sldId id="1631" r:id="rId10"/>
@@ -21,9 +21,8 @@
     <p:sldId id="1632" r:id="rId12"/>
     <p:sldId id="1635" r:id="rId13"/>
     <p:sldId id="1637" r:id="rId14"/>
-    <p:sldId id="1638" r:id="rId15"/>
-    <p:sldId id="1634" r:id="rId16"/>
-    <p:sldId id="1622" r:id="rId17"/>
+    <p:sldId id="1634" r:id="rId15"/>
+    <p:sldId id="1622" r:id="rId16"/>
   </p:sldIdLst>
   <p:sldSz cx="12192000" cy="6858000"/>
   <p:notesSz cx="6858000" cy="9144000"/>
@@ -212,7 +211,7 @@
           <a:p>
             <a:fld id="{354D3AFA-F451-444D-BAEC-38D955773079}" type="datetimeFigureOut">
               <a:rPr lang="en-US" smtClean="0"/>
-              <a:t>1/6/2020</a:t>
+              <a:t>1/7/2020</a:t>
             </a:fld>
             <a:endParaRPr lang="en-US"/>
           </a:p>
@@ -722,7 +721,7 @@
                 <a:tabLst/>
                 <a:defRPr/>
               </a:pPr>
-              <a:t>1/6/2020 8:33 PM</a:t>
+              <a:t>1/7/2020 2:07 PM</a:t>
             </a:fld>
             <a:endParaRPr kumimoji="0" lang="en-US" sz="1200" b="0" i="0" u="none" strike="noStrike" kern="1200" cap="none" spc="0" normalizeH="0" baseline="0" noProof="0" dirty="0">
               <a:ln>
@@ -1080,7 +1079,7 @@
                 <a:tabLst/>
                 <a:defRPr/>
               </a:pPr>
-              <a:t>1/6/2020 8:33 PM</a:t>
+              <a:t>1/7/2020 2:07 PM</a:t>
             </a:fld>
             <a:endParaRPr kumimoji="0" lang="en-US" sz="1200" b="0" i="0" u="none" strike="noStrike" kern="1200" cap="none" spc="0" normalizeH="0" baseline="0" noProof="0" dirty="0">
               <a:ln>
@@ -1438,7 +1437,7 @@
                 <a:tabLst/>
                 <a:defRPr/>
               </a:pPr>
-              <a:t>1/6/2020 8:33 PM</a:t>
+              <a:t>1/7/2020 2:07 PM</a:t>
             </a:fld>
             <a:endParaRPr kumimoji="0" lang="en-US" sz="1200" b="0" i="0" u="none" strike="noStrike" kern="1200" cap="none" spc="0" normalizeH="0" baseline="0" noProof="0" dirty="0">
               <a:ln>
@@ -1796,7 +1795,7 @@
                 <a:tabLst/>
                 <a:defRPr/>
               </a:pPr>
-              <a:t>1/6/2020 8:33 PM</a:t>
+              <a:t>1/7/2020 2:07 PM</a:t>
             </a:fld>
             <a:endParaRPr kumimoji="0" lang="en-US" sz="1200" b="0" i="0" u="none" strike="noStrike" kern="1200" cap="none" spc="0" normalizeH="0" baseline="0" noProof="0" dirty="0">
               <a:ln>
@@ -1901,7 +1900,7 @@
     </p:spTree>
     <p:extLst>
       <p:ext uri="{BB962C8B-B14F-4D97-AF65-F5344CB8AC3E}">
-        <p14:creationId xmlns:p14="http://schemas.microsoft.com/office/powerpoint/2010/main" val="96161518"/>
+        <p14:creationId xmlns:p14="http://schemas.microsoft.com/office/powerpoint/2010/main" val="2340496985"/>
       </p:ext>
     </p:extLst>
   </p:cSld>
@@ -1938,38 +1937,53 @@
             <p:ph type="sldImg"/>
           </p:nvPr>
         </p:nvSpPr>
+        <p:spPr>
+          <a:xfrm>
+            <a:off x="381000" y="685800"/>
+            <a:ext cx="6096000" cy="3429000"/>
+          </a:xfrm>
+        </p:spPr>
+      </p:sp>
+      <p:sp>
+        <p:nvSpPr>
+          <p:cNvPr id="3" name="Notes Placeholder 2"/>
+          <p:cNvSpPr>
+            <a:spLocks noGrp="1"/>
+          </p:cNvSpPr>
+          <p:nvPr>
+            <p:ph type="body" idx="1"/>
+          </p:nvPr>
+        </p:nvSpPr>
         <p:spPr/>
-      </p:sp>
-      <p:sp>
-        <p:nvSpPr>
-          <p:cNvPr id="3" name="Notes Placeholder 2"/>
+        <p:txBody>
+          <a:bodyPr>
+            <a:normAutofit/>
+          </a:bodyPr>
+          <a:lstStyle/>
+          <a:p>
+            <a:endParaRPr lang="en-US" dirty="0"/>
+          </a:p>
+        </p:txBody>
+      </p:sp>
+      <p:sp>
+        <p:nvSpPr>
+          <p:cNvPr id="4" name="Header Placeholder 3"/>
           <p:cNvSpPr>
             <a:spLocks noGrp="1"/>
           </p:cNvSpPr>
           <p:nvPr>
-            <p:ph type="body" idx="1"/>
-          </p:nvPr>
-        </p:nvSpPr>
-        <p:spPr/>
-        <p:txBody>
-          <a:bodyPr/>
-          <a:lstStyle/>
-          <a:p>
-            <a:endParaRPr lang="en-US" dirty="0"/>
-          </a:p>
-        </p:txBody>
-      </p:sp>
-      <p:sp>
-        <p:nvSpPr>
-          <p:cNvPr id="4" name="Header Placeholder 3"/>
-          <p:cNvSpPr>
-            <a:spLocks noGrp="1"/>
-          </p:cNvSpPr>
-          <p:nvPr>
             <p:ph type="hdr" sz="quarter" idx="10"/>
           </p:nvPr>
         </p:nvSpPr>
-        <p:spPr/>
+        <p:spPr>
+          <a:xfrm>
+            <a:off x="0" y="0"/>
+            <a:ext cx="2971800" cy="457200"/>
+          </a:xfrm>
+          <a:prstGeom prst="rect">
+            <a:avLst/>
+          </a:prstGeom>
+        </p:spPr>
         <p:txBody>
           <a:bodyPr/>
           <a:lstStyle/>
@@ -2010,94 +2024,12 @@
       </p:sp>
       <p:sp>
         <p:nvSpPr>
-          <p:cNvPr id="5" name="Footer Placeholder 4"/>
+          <p:cNvPr id="5" name="Date Placeholder 4"/>
           <p:cNvSpPr>
             <a:spLocks noGrp="1"/>
           </p:cNvSpPr>
           <p:nvPr>
-            <p:ph type="ftr" sz="quarter" idx="11"/>
-          </p:nvPr>
-        </p:nvSpPr>
-        <p:spPr/>
-        <p:txBody>
-          <a:bodyPr/>
-          <a:lstStyle/>
-          <a:p>
-            <a:pPr marL="571500" marR="0" lvl="0" indent="0" algn="l" defTabSz="914099" rtl="0" eaLnBrk="0" fontAlgn="auto" latinLnBrk="0" hangingPunct="0">
-              <a:lnSpc>
-                <a:spcPct val="100000"/>
-              </a:lnSpc>
-              <a:spcBef>
-                <a:spcPts val="0"/>
-              </a:spcBef>
-              <a:spcAft>
-                <a:spcPts val="0"/>
-              </a:spcAft>
-              <a:buClrTx/>
-              <a:buSzTx/>
-              <a:buFontTx/>
-              <a:buNone/>
-              <a:tabLst/>
-              <a:defRPr/>
-            </a:pPr>
-            <a:r>
-              <a:rPr kumimoji="0" lang="en-US" sz="400" b="0" i="0" u="none" strike="noStrike" kern="1200" cap="none" spc="0" normalizeH="0" baseline="0" noProof="0">
-                <a:ln>
-                  <a:noFill/>
-                </a:ln>
-                <a:gradFill>
-                  <a:gsLst>
-                    <a:gs pos="0">
-                      <a:prstClr val="black"/>
-                    </a:gs>
-                    <a:gs pos="100000">
-                      <a:prstClr val="black"/>
-                    </a:gs>
-                  </a:gsLst>
-                  <a:lin ang="5400000" scaled="0"/>
-                </a:gradFill>
-                <a:effectLst/>
-                <a:uLnTx/>
-                <a:uFillTx/>
-                <a:latin typeface="Segoe UI" pitchFamily="34" charset="0"/>
-                <a:ea typeface="Segoe UI" pitchFamily="34" charset="0"/>
-                <a:cs typeface="Segoe UI" pitchFamily="34" charset="0"/>
-              </a:rPr>
-              <a:t>© Microsoft Corporation. All rights reserved. MICROSOFT MAKES NO WARRANTIES, EXPRESS, IMPLIED OR STATUTORY, AS TO THE INFORMATION IN THIS PRESENTATION.</a:t>
-            </a:r>
-            <a:endParaRPr kumimoji="0" lang="en-US" sz="400" b="0" i="0" u="none" strike="noStrike" kern="1200" cap="none" spc="0" normalizeH="0" baseline="0" noProof="0" dirty="0">
-              <a:ln>
-                <a:noFill/>
-              </a:ln>
-              <a:gradFill>
-                <a:gsLst>
-                  <a:gs pos="0">
-                    <a:prstClr val="black"/>
-                  </a:gs>
-                  <a:gs pos="100000">
-                    <a:prstClr val="black"/>
-                  </a:gs>
-                </a:gsLst>
-                <a:lin ang="5400000" scaled="0"/>
-              </a:gradFill>
-              <a:effectLst/>
-              <a:uLnTx/>
-              <a:uFillTx/>
-              <a:latin typeface="Segoe UI" pitchFamily="34" charset="0"/>
-              <a:ea typeface="Segoe UI" pitchFamily="34" charset="0"/>
-              <a:cs typeface="Segoe UI" pitchFamily="34" charset="0"/>
-            </a:endParaRPr>
-          </a:p>
-        </p:txBody>
-      </p:sp>
-      <p:sp>
-        <p:nvSpPr>
-          <p:cNvPr id="6" name="Date Placeholder 5"/>
-          <p:cNvSpPr>
-            <a:spLocks noGrp="1"/>
-          </p:cNvSpPr>
-          <p:nvPr>
-            <p:ph type="dt" idx="12"/>
+            <p:ph type="dt" idx="11"/>
           </p:nvPr>
         </p:nvSpPr>
         <p:spPr/>
@@ -2122,7 +2054,7 @@
               <a:tabLst/>
               <a:defRPr/>
             </a:pPr>
-            <a:fld id="{35A2D088-BDBD-41A5-ADCE-5C6A4DC08057}" type="datetime8">
+            <a:fld id="{8AB9A6D4-FB34-4BDB-BA1E-7271914431FC}" type="datetime8">
               <a:rPr kumimoji="0" lang="en-US" sz="1200" b="0" i="0" u="none" strike="noStrike" kern="1200" cap="none" spc="0" normalizeH="0" baseline="0" noProof="0" smtClean="0">
                 <a:ln>
                   <a:noFill/>
@@ -2154,7 +2086,7 @@
                 <a:tabLst/>
                 <a:defRPr/>
               </a:pPr>
-              <a:t>1/6/2020 8:33 PM</a:t>
+              <a:t>1/7/2020 2:07 PM</a:t>
             </a:fld>
             <a:endParaRPr kumimoji="0" lang="en-US" sz="1200" b="0" i="0" u="none" strike="noStrike" kern="1200" cap="none" spc="0" normalizeH="0" baseline="0" noProof="0" dirty="0">
               <a:ln>
@@ -2205,7 +2137,7 @@
               <a:tabLst/>
               <a:defRPr/>
             </a:pPr>
-            <a:fld id="{B4008EB6-D09E-4580-8CD6-DDB14511944F}" type="slidenum">
+            <a:fld id="{EC87E0CF-87F6-4B58-B8B8-DCAB2DAAF3CA}" type="slidenum">
               <a:rPr kumimoji="0" lang="en-US" sz="1200" b="0" i="0" u="none" strike="noStrike" kern="1200" cap="none" spc="0" normalizeH="0" baseline="0" noProof="0" smtClean="0">
                 <a:ln>
                   <a:noFill/>
@@ -2256,297 +2188,6 @@
           </a:p>
         </p:txBody>
       </p:sp>
-    </p:spTree>
-    <p:extLst>
-      <p:ext uri="{BB962C8B-B14F-4D97-AF65-F5344CB8AC3E}">
-        <p14:creationId xmlns:p14="http://schemas.microsoft.com/office/powerpoint/2010/main" val="2340496985"/>
-      </p:ext>
-    </p:extLst>
-  </p:cSld>
-  <p:clrMapOvr>
-    <a:masterClrMapping/>
-  </p:clrMapOvr>
-</p:notes>
-</file>
-
-<file path=ppt/notesSlides/notesSlide14.xml><?xml version="1.0" encoding="utf-8"?>
-<p:notes xmlns:a="http://schemas.openxmlformats.org/drawingml/2006/main" xmlns:r="http://schemas.openxmlformats.org/officeDocument/2006/relationships" xmlns:p="http://schemas.openxmlformats.org/presentationml/2006/main">
-  <p:cSld>
-    <p:spTree>
-      <p:nvGrpSpPr>
-        <p:cNvPr id="1" name=""/>
-        <p:cNvGrpSpPr/>
-        <p:nvPr/>
-      </p:nvGrpSpPr>
-      <p:grpSpPr>
-        <a:xfrm>
-          <a:off x="0" y="0"/>
-          <a:ext cx="0" cy="0"/>
-          <a:chOff x="0" y="0"/>
-          <a:chExt cx="0" cy="0"/>
-        </a:xfrm>
-      </p:grpSpPr>
-      <p:sp>
-        <p:nvSpPr>
-          <p:cNvPr id="2" name="Slide Image Placeholder 1"/>
-          <p:cNvSpPr>
-            <a:spLocks noGrp="1" noRot="1" noChangeAspect="1"/>
-          </p:cNvSpPr>
-          <p:nvPr>
-            <p:ph type="sldImg"/>
-          </p:nvPr>
-        </p:nvSpPr>
-        <p:spPr>
-          <a:xfrm>
-            <a:off x="381000" y="685800"/>
-            <a:ext cx="6096000" cy="3429000"/>
-          </a:xfrm>
-        </p:spPr>
-      </p:sp>
-      <p:sp>
-        <p:nvSpPr>
-          <p:cNvPr id="3" name="Notes Placeholder 2"/>
-          <p:cNvSpPr>
-            <a:spLocks noGrp="1"/>
-          </p:cNvSpPr>
-          <p:nvPr>
-            <p:ph type="body" idx="1"/>
-          </p:nvPr>
-        </p:nvSpPr>
-        <p:spPr/>
-        <p:txBody>
-          <a:bodyPr>
-            <a:normAutofit/>
-          </a:bodyPr>
-          <a:lstStyle/>
-          <a:p>
-            <a:endParaRPr lang="en-US" dirty="0"/>
-          </a:p>
-        </p:txBody>
-      </p:sp>
-      <p:sp>
-        <p:nvSpPr>
-          <p:cNvPr id="4" name="Header Placeholder 3"/>
-          <p:cNvSpPr>
-            <a:spLocks noGrp="1"/>
-          </p:cNvSpPr>
-          <p:nvPr>
-            <p:ph type="hdr" sz="quarter" idx="10"/>
-          </p:nvPr>
-        </p:nvSpPr>
-        <p:spPr>
-          <a:xfrm>
-            <a:off x="0" y="0"/>
-            <a:ext cx="2971800" cy="457200"/>
-          </a:xfrm>
-          <a:prstGeom prst="rect">
-            <a:avLst/>
-          </a:prstGeom>
-        </p:spPr>
-        <p:txBody>
-          <a:bodyPr/>
-          <a:lstStyle/>
-          <a:p>
-            <a:pPr marL="0" marR="0" lvl="0" indent="0" algn="l" defTabSz="932742" rtl="0" eaLnBrk="1" fontAlgn="auto" latinLnBrk="0" hangingPunct="1">
-              <a:lnSpc>
-                <a:spcPct val="100000"/>
-              </a:lnSpc>
-              <a:spcBef>
-                <a:spcPts val="0"/>
-              </a:spcBef>
-              <a:spcAft>
-                <a:spcPts val="0"/>
-              </a:spcAft>
-              <a:buClrTx/>
-              <a:buSzTx/>
-              <a:buFontTx/>
-              <a:buNone/>
-              <a:tabLst/>
-              <a:defRPr/>
-            </a:pPr>
-            <a:endParaRPr kumimoji="0" lang="en-US" sz="1200" b="0" i="0" u="none" strike="noStrike" kern="1200" cap="none" spc="0" normalizeH="0" baseline="0" noProof="0" dirty="0">
-              <a:ln>
-                <a:noFill/>
-              </a:ln>
-              <a:solidFill>
-                <a:prstClr val="black"/>
-              </a:solidFill>
-              <a:effectLst/>
-              <a:uLnTx/>
-              <a:uFillTx/>
-              <a:latin typeface="Segoe UI" pitchFamily="34" charset="0"/>
-              <a:ea typeface="+mn-ea"/>
-              <a:cs typeface="+mn-cs"/>
-            </a:endParaRPr>
-          </a:p>
-        </p:txBody>
-      </p:sp>
-      <p:sp>
-        <p:nvSpPr>
-          <p:cNvPr id="5" name="Date Placeholder 4"/>
-          <p:cNvSpPr>
-            <a:spLocks noGrp="1"/>
-          </p:cNvSpPr>
-          <p:nvPr>
-            <p:ph type="dt" idx="11"/>
-          </p:nvPr>
-        </p:nvSpPr>
-        <p:spPr/>
-        <p:txBody>
-          <a:bodyPr/>
-          <a:lstStyle/>
-          <a:p>
-            <a:pPr marL="0" marR="0" lvl="0" indent="0" algn="r" defTabSz="932742" rtl="0" eaLnBrk="1" fontAlgn="auto" latinLnBrk="0" hangingPunct="1">
-              <a:lnSpc>
-                <a:spcPct val="100000"/>
-              </a:lnSpc>
-              <a:spcBef>
-                <a:spcPts val="0"/>
-              </a:spcBef>
-              <a:spcAft>
-                <a:spcPts val="0"/>
-              </a:spcAft>
-              <a:buClrTx/>
-              <a:buSzTx/>
-              <a:buFontTx/>
-              <a:buNone/>
-              <a:tabLst/>
-              <a:defRPr/>
-            </a:pPr>
-            <a:fld id="{8AB9A6D4-FB34-4BDB-BA1E-7271914431FC}" type="datetime8">
-              <a:rPr kumimoji="0" lang="en-US" sz="1200" b="0" i="0" u="none" strike="noStrike" kern="1200" cap="none" spc="0" normalizeH="0" baseline="0" noProof="0" smtClean="0">
-                <a:ln>
-                  <a:noFill/>
-                </a:ln>
-                <a:solidFill>
-                  <a:prstClr val="black"/>
-                </a:solidFill>
-                <a:effectLst/>
-                <a:uLnTx/>
-                <a:uFillTx/>
-                <a:latin typeface="Segoe UI" pitchFamily="34" charset="0"/>
-                <a:ea typeface="+mn-ea"/>
-                <a:cs typeface="+mn-cs"/>
-              </a:rPr>
-              <a:pPr marL="0" marR="0" lvl="0" indent="0" algn="r" defTabSz="932742" rtl="0" eaLnBrk="1" fontAlgn="auto" latinLnBrk="0" hangingPunct="1">
-                <a:lnSpc>
-                  <a:spcPct val="100000"/>
-                </a:lnSpc>
-                <a:spcBef>
-                  <a:spcPts val="0"/>
-                </a:spcBef>
-                <a:spcAft>
-                  <a:spcPts val="0"/>
-                </a:spcAft>
-                <a:buClrTx/>
-                <a:buSzTx/>
-                <a:buFontTx/>
-                <a:buNone/>
-                <a:tabLst/>
-                <a:defRPr/>
-              </a:pPr>
-              <a:t>1/6/2020 8:33 PM</a:t>
-            </a:fld>
-            <a:endParaRPr kumimoji="0" lang="en-US" sz="1200" b="0" i="0" u="none" strike="noStrike" kern="1200" cap="none" spc="0" normalizeH="0" baseline="0" noProof="0" dirty="0">
-              <a:ln>
-                <a:noFill/>
-              </a:ln>
-              <a:solidFill>
-                <a:prstClr val="black"/>
-              </a:solidFill>
-              <a:effectLst/>
-              <a:uLnTx/>
-              <a:uFillTx/>
-              <a:latin typeface="Segoe UI" pitchFamily="34" charset="0"/>
-              <a:ea typeface="+mn-ea"/>
-              <a:cs typeface="+mn-cs"/>
-            </a:endParaRPr>
-          </a:p>
-        </p:txBody>
-      </p:sp>
-      <p:sp>
-        <p:nvSpPr>
-          <p:cNvPr id="7" name="Slide Number Placeholder 6"/>
-          <p:cNvSpPr>
-            <a:spLocks noGrp="1"/>
-          </p:cNvSpPr>
-          <p:nvPr>
-            <p:ph type="sldNum" sz="quarter" idx="13"/>
-          </p:nvPr>
-        </p:nvSpPr>
-        <p:spPr/>
-        <p:txBody>
-          <a:bodyPr/>
-          <a:lstStyle/>
-          <a:p>
-            <a:pPr marL="0" marR="0" lvl="0" indent="0" algn="r" defTabSz="932742" rtl="0" eaLnBrk="1" fontAlgn="auto" latinLnBrk="0" hangingPunct="1">
-              <a:lnSpc>
-                <a:spcPct val="100000"/>
-              </a:lnSpc>
-              <a:spcBef>
-                <a:spcPts val="0"/>
-              </a:spcBef>
-              <a:spcAft>
-                <a:spcPts val="0"/>
-              </a:spcAft>
-              <a:buClrTx/>
-              <a:buSzTx/>
-              <a:buFontTx/>
-              <a:buNone/>
-              <a:tabLst/>
-              <a:defRPr/>
-            </a:pPr>
-            <a:fld id="{EC87E0CF-87F6-4B58-B8B8-DCAB2DAAF3CA}" type="slidenum">
-              <a:rPr kumimoji="0" lang="en-US" sz="1200" b="0" i="0" u="none" strike="noStrike" kern="1200" cap="none" spc="0" normalizeH="0" baseline="0" noProof="0" smtClean="0">
-                <a:ln>
-                  <a:noFill/>
-                </a:ln>
-                <a:solidFill>
-                  <a:prstClr val="black"/>
-                </a:solidFill>
-                <a:effectLst/>
-                <a:uLnTx/>
-                <a:uFillTx/>
-                <a:latin typeface="Segoe UI" pitchFamily="34" charset="0"/>
-                <a:ea typeface="+mn-ea"/>
-                <a:cs typeface="+mn-cs"/>
-              </a:rPr>
-              <a:pPr marL="0" marR="0" lvl="0" indent="0" algn="r" defTabSz="932742" rtl="0" eaLnBrk="1" fontAlgn="auto" latinLnBrk="0" hangingPunct="1">
-                <a:lnSpc>
-                  <a:spcPct val="100000"/>
-                </a:lnSpc>
-                <a:spcBef>
-                  <a:spcPts val="0"/>
-                </a:spcBef>
-                <a:spcAft>
-                  <a:spcPts val="0"/>
-                </a:spcAft>
-                <a:buClrTx/>
-                <a:buSzTx/>
-                <a:buFontTx/>
-                <a:buNone/>
-                <a:tabLst/>
-                <a:defRPr/>
-              </a:pPr>
-              <a:t>15</a:t>
-            </a:fld>
-            <a:endParaRPr kumimoji="0" lang="en-US" sz="1200" b="0" i="0" u="none" strike="noStrike" kern="1200" cap="none" spc="0" normalizeH="0" baseline="0" noProof="0" dirty="0">
-              <a:ln>
-                <a:noFill/>
-              </a:ln>
-              <a:solidFill>
-                <a:prstClr val="black"/>
-              </a:solidFill>
-              <a:effectLst/>
-              <a:uLnTx/>
-              <a:uFillTx/>
-              <a:latin typeface="Segoe UI" pitchFamily="34" charset="0"/>
-              <a:ea typeface="+mn-ea"/>
-              <a:cs typeface="+mn-cs"/>
-            </a:endParaRPr>
-          </a:p>
-        </p:txBody>
-      </p:sp>
       <p:sp>
         <p:nvSpPr>
           <p:cNvPr id="6" name="Footer Placeholder 5"/>
@@ -2885,7 +2526,7 @@
                 <a:tabLst/>
                 <a:defRPr/>
               </a:pPr>
-              <a:t>1/6/2020 8:33 PM</a:t>
+              <a:t>1/7/2020 3:04 PM</a:t>
             </a:fld>
             <a:endParaRPr kumimoji="0" lang="en-US" sz="1200" b="0" i="0" u="none" strike="noStrike" kern="1200" cap="none" spc="0" normalizeH="0" baseline="0" noProof="0" dirty="0">
               <a:ln>
@@ -3243,7 +2884,7 @@
                 <a:tabLst/>
                 <a:defRPr/>
               </a:pPr>
-              <a:t>1/6/2020 8:35 PM</a:t>
+              <a:t>1/7/2020 3:02 PM</a:t>
             </a:fld>
             <a:endParaRPr kumimoji="0" lang="en-US" sz="1200" b="0" i="0" u="none" strike="noStrike" kern="1200" cap="none" spc="0" normalizeH="0" baseline="0" noProof="0" dirty="0">
               <a:ln>
@@ -3348,7 +2989,7 @@
     </p:spTree>
     <p:extLst>
       <p:ext uri="{BB962C8B-B14F-4D97-AF65-F5344CB8AC3E}">
-        <p14:creationId xmlns:p14="http://schemas.microsoft.com/office/powerpoint/2010/main" val="1505614825"/>
+        <p14:creationId xmlns:p14="http://schemas.microsoft.com/office/powerpoint/2010/main" val="3965627139"/>
       </p:ext>
     </p:extLst>
   </p:cSld>
@@ -3601,7 +3242,7 @@
                 <a:tabLst/>
                 <a:defRPr/>
               </a:pPr>
-              <a:t>1/6/2020 8:33 PM</a:t>
+              <a:t>1/7/2020 2:07 PM</a:t>
             </a:fld>
             <a:endParaRPr kumimoji="0" lang="en-US" sz="1200" b="0" i="0" u="none" strike="noStrike" kern="1200" cap="none" spc="0" normalizeH="0" baseline="0" noProof="0" dirty="0">
               <a:ln>
@@ -3706,7 +3347,7 @@
     </p:spTree>
     <p:extLst>
       <p:ext uri="{BB962C8B-B14F-4D97-AF65-F5344CB8AC3E}">
-        <p14:creationId xmlns:p14="http://schemas.microsoft.com/office/powerpoint/2010/main" val="1975625718"/>
+        <p14:creationId xmlns:p14="http://schemas.microsoft.com/office/powerpoint/2010/main" val="1505614825"/>
       </p:ext>
     </p:extLst>
   </p:cSld>
@@ -3959,7 +3600,7 @@
                 <a:tabLst/>
                 <a:defRPr/>
               </a:pPr>
-              <a:t>1/6/2020 8:33 PM</a:t>
+              <a:t>1/7/2020 2:07 PM</a:t>
             </a:fld>
             <a:endParaRPr kumimoji="0" lang="en-US" sz="1200" b="0" i="0" u="none" strike="noStrike" kern="1200" cap="none" spc="0" normalizeH="0" baseline="0" noProof="0" dirty="0">
               <a:ln>
@@ -4317,7 +3958,7 @@
                 <a:tabLst/>
                 <a:defRPr/>
               </a:pPr>
-              <a:t>1/6/2020 8:33 PM</a:t>
+              <a:t>1/7/2020 2:07 PM</a:t>
             </a:fld>
             <a:endParaRPr kumimoji="0" lang="en-US" sz="1200" b="0" i="0" u="none" strike="noStrike" kern="1200" cap="none" spc="0" normalizeH="0" baseline="0" noProof="0" dirty="0">
               <a:ln>
@@ -4675,7 +4316,7 @@
                 <a:tabLst/>
                 <a:defRPr/>
               </a:pPr>
-              <a:t>1/6/2020 8:33 PM</a:t>
+              <a:t>1/7/2020 2:07 PM</a:t>
             </a:fld>
             <a:endParaRPr kumimoji="0" lang="en-US" sz="1200" b="0" i="0" u="none" strike="noStrike" kern="1200" cap="none" spc="0" normalizeH="0" baseline="0" noProof="0" dirty="0">
               <a:ln>
@@ -5033,7 +4674,7 @@
                 <a:tabLst/>
                 <a:defRPr/>
               </a:pPr>
-              <a:t>1/6/2020 8:33 PM</a:t>
+              <a:t>1/7/2020 2:07 PM</a:t>
             </a:fld>
             <a:endParaRPr kumimoji="0" lang="en-US" sz="1200" b="0" i="0" u="none" strike="noStrike" kern="1200" cap="none" spc="0" normalizeH="0" baseline="0" noProof="0" dirty="0">
               <a:ln>
@@ -5391,7 +5032,7 @@
                 <a:tabLst/>
                 <a:defRPr/>
               </a:pPr>
-              <a:t>1/6/2020 8:33 PM</a:t>
+              <a:t>1/7/2020 2:07 PM</a:t>
             </a:fld>
             <a:endParaRPr kumimoji="0" lang="en-US" sz="1200" b="0" i="0" u="none" strike="noStrike" kern="1200" cap="none" spc="0" normalizeH="0" baseline="0" noProof="0" dirty="0">
               <a:ln>
@@ -5653,7 +5294,7 @@
           <a:p>
             <a:fld id="{DFA8C626-DCFC-44B9-B53F-E89648D7BB7E}" type="datetimeFigureOut">
               <a:rPr lang="en-US" smtClean="0"/>
-              <a:t>1/6/2020</a:t>
+              <a:t>1/7/2020</a:t>
             </a:fld>
             <a:endParaRPr lang="en-US"/>
           </a:p>
@@ -5851,7 +5492,7 @@
           <a:p>
             <a:fld id="{DFA8C626-DCFC-44B9-B53F-E89648D7BB7E}" type="datetimeFigureOut">
               <a:rPr lang="en-US" smtClean="0"/>
-              <a:t>1/6/2020</a:t>
+              <a:t>1/7/2020</a:t>
             </a:fld>
             <a:endParaRPr lang="en-US"/>
           </a:p>
@@ -6059,7 +5700,7 @@
           <a:p>
             <a:fld id="{DFA8C626-DCFC-44B9-B53F-E89648D7BB7E}" type="datetimeFigureOut">
               <a:rPr lang="en-US" smtClean="0"/>
-              <a:t>1/6/2020</a:t>
+              <a:t>1/7/2020</a:t>
             </a:fld>
             <a:endParaRPr lang="en-US"/>
           </a:p>
@@ -8072,7 +7713,7 @@
           <a:p>
             <a:fld id="{DFA8C626-DCFC-44B9-B53F-E89648D7BB7E}" type="datetimeFigureOut">
               <a:rPr lang="en-US" smtClean="0"/>
-              <a:t>1/6/2020</a:t>
+              <a:t>1/7/2020</a:t>
             </a:fld>
             <a:endParaRPr lang="en-US"/>
           </a:p>
@@ -9790,7 +9431,7 @@
           <a:p>
             <a:fld id="{DFA8C626-DCFC-44B9-B53F-E89648D7BB7E}" type="datetimeFigureOut">
               <a:rPr lang="en-US" smtClean="0"/>
-              <a:t>1/6/2020</a:t>
+              <a:t>1/7/2020</a:t>
             </a:fld>
             <a:endParaRPr lang="en-US"/>
           </a:p>
@@ -10055,7 +9696,7 @@
           <a:p>
             <a:fld id="{DFA8C626-DCFC-44B9-B53F-E89648D7BB7E}" type="datetimeFigureOut">
               <a:rPr lang="en-US" smtClean="0"/>
-              <a:t>1/6/2020</a:t>
+              <a:t>1/7/2020</a:t>
             </a:fld>
             <a:endParaRPr lang="en-US"/>
           </a:p>
@@ -10467,7 +10108,7 @@
           <a:p>
             <a:fld id="{DFA8C626-DCFC-44B9-B53F-E89648D7BB7E}" type="datetimeFigureOut">
               <a:rPr lang="en-US" smtClean="0"/>
-              <a:t>1/6/2020</a:t>
+              <a:t>1/7/2020</a:t>
             </a:fld>
             <a:endParaRPr lang="en-US"/>
           </a:p>
@@ -10608,7 +10249,7 @@
           <a:p>
             <a:fld id="{DFA8C626-DCFC-44B9-B53F-E89648D7BB7E}" type="datetimeFigureOut">
               <a:rPr lang="en-US" smtClean="0"/>
-              <a:t>1/6/2020</a:t>
+              <a:t>1/7/2020</a:t>
             </a:fld>
             <a:endParaRPr lang="en-US"/>
           </a:p>
@@ -10721,7 +10362,7 @@
           <a:p>
             <a:fld id="{DFA8C626-DCFC-44B9-B53F-E89648D7BB7E}" type="datetimeFigureOut">
               <a:rPr lang="en-US" smtClean="0"/>
-              <a:t>1/6/2020</a:t>
+              <a:t>1/7/2020</a:t>
             </a:fld>
             <a:endParaRPr lang="en-US"/>
           </a:p>
@@ -11032,7 +10673,7 @@
           <a:p>
             <a:fld id="{DFA8C626-DCFC-44B9-B53F-E89648D7BB7E}" type="datetimeFigureOut">
               <a:rPr lang="en-US" smtClean="0"/>
-              <a:t>1/6/2020</a:t>
+              <a:t>1/7/2020</a:t>
             </a:fld>
             <a:endParaRPr lang="en-US"/>
           </a:p>
@@ -11320,7 +10961,7 @@
           <a:p>
             <a:fld id="{DFA8C626-DCFC-44B9-B53F-E89648D7BB7E}" type="datetimeFigureOut">
               <a:rPr lang="en-US" smtClean="0"/>
-              <a:t>1/6/2020</a:t>
+              <a:t>1/7/2020</a:t>
             </a:fld>
             <a:endParaRPr lang="en-US"/>
           </a:p>
@@ -11561,7 +11202,7 @@
           <a:p>
             <a:fld id="{DFA8C626-DCFC-44B9-B53F-E89648D7BB7E}" type="datetimeFigureOut">
               <a:rPr lang="en-US" smtClean="0"/>
-              <a:t>1/6/2020</a:t>
+              <a:t>1/7/2020</a:t>
             </a:fld>
             <a:endParaRPr lang="en-US"/>
           </a:p>
@@ -13835,366 +13476,6 @@
         <p:spPr>
           <a:xfrm>
             <a:off x="116839" y="141072"/>
-            <a:ext cx="11653523" cy="1162178"/>
-          </a:xfrm>
-        </p:spPr>
-        <p:txBody>
-          <a:bodyPr/>
-          <a:lstStyle/>
-          <a:p>
-            <a:r>
-              <a:rPr lang="en-US" dirty="0"/>
-              <a:t>Divide and Conquer</a:t>
-            </a:r>
-          </a:p>
-        </p:txBody>
-      </p:sp>
-      <p:sp>
-        <p:nvSpPr>
-          <p:cNvPr id="6" name="TextBox 5">
-            <a:extLst>
-              <a:ext uri="{FF2B5EF4-FFF2-40B4-BE49-F238E27FC236}">
-                <a16:creationId xmlns:a16="http://schemas.microsoft.com/office/drawing/2014/main" id="{7868BA2F-18C9-4CD3-96D8-0FA2E4B1F92B}"/>
-              </a:ext>
-            </a:extLst>
-          </p:cNvPr>
-          <p:cNvSpPr txBox="1"/>
-          <p:nvPr/>
-        </p:nvSpPr>
-        <p:spPr>
-          <a:xfrm>
-            <a:off x="624625" y="1423721"/>
-            <a:ext cx="10550556" cy="4832092"/>
-          </a:xfrm>
-          <a:prstGeom prst="rect">
-            <a:avLst/>
-          </a:prstGeom>
-          <a:noFill/>
-        </p:spPr>
-        <p:txBody>
-          <a:bodyPr wrap="square" rtlCol="0">
-            <a:spAutoFit/>
-          </a:bodyPr>
-          <a:lstStyle/>
-          <a:p>
-            <a:pPr marL="0" marR="0" lvl="0" indent="0" algn="l" defTabSz="914400" rtl="0" eaLnBrk="1" fontAlgn="auto" latinLnBrk="0" hangingPunct="1">
-              <a:lnSpc>
-                <a:spcPct val="100000"/>
-              </a:lnSpc>
-              <a:spcBef>
-                <a:spcPts val="0"/>
-              </a:spcBef>
-              <a:spcAft>
-                <a:spcPts val="0"/>
-              </a:spcAft>
-              <a:buClrTx/>
-              <a:buSzTx/>
-              <a:buFontTx/>
-              <a:buNone/>
-              <a:tabLst/>
-              <a:defRPr/>
-            </a:pPr>
-            <a:r>
-              <a:rPr kumimoji="0" lang="en-US" sz="2800" b="0" i="0" u="none" strike="noStrike" kern="1200" cap="none" spc="0" normalizeH="0" baseline="0" noProof="0" dirty="0">
-                <a:ln>
-                  <a:noFill/>
-                </a:ln>
-                <a:solidFill>
-                  <a:prstClr val="white"/>
-                </a:solidFill>
-                <a:effectLst/>
-                <a:uLnTx/>
-                <a:uFillTx/>
-                <a:latin typeface="Calibri" panose="020F0502020204030204"/>
-                <a:ea typeface="+mn-ea"/>
-                <a:cs typeface="+mn-cs"/>
-              </a:rPr>
-              <a:t>We took the card game of war and first broke it down into 4 problems. We then broke those problems down into 15 small steps that make the larger problem look fairly trivial. </a:t>
-            </a:r>
-          </a:p>
-          <a:p>
-            <a:pPr marL="0" marR="0" lvl="0" indent="0" algn="l" defTabSz="914400" rtl="0" eaLnBrk="1" fontAlgn="auto" latinLnBrk="0" hangingPunct="1">
-              <a:lnSpc>
-                <a:spcPct val="100000"/>
-              </a:lnSpc>
-              <a:spcBef>
-                <a:spcPts val="0"/>
-              </a:spcBef>
-              <a:spcAft>
-                <a:spcPts val="0"/>
-              </a:spcAft>
-              <a:buClrTx/>
-              <a:buSzTx/>
-              <a:buFontTx/>
-              <a:buNone/>
-              <a:tabLst/>
-              <a:defRPr/>
-            </a:pPr>
-            <a:endParaRPr lang="en-US" sz="2800" dirty="0">
-              <a:solidFill>
-                <a:prstClr val="white"/>
-              </a:solidFill>
-              <a:latin typeface="Calibri" panose="020F0502020204030204"/>
-            </a:endParaRPr>
-          </a:p>
-          <a:p>
-            <a:pPr marL="0" marR="0" lvl="0" indent="0" algn="l" defTabSz="914400" rtl="0" eaLnBrk="1" fontAlgn="auto" latinLnBrk="0" hangingPunct="1">
-              <a:lnSpc>
-                <a:spcPct val="100000"/>
-              </a:lnSpc>
-              <a:spcBef>
-                <a:spcPts val="0"/>
-              </a:spcBef>
-              <a:spcAft>
-                <a:spcPts val="0"/>
-              </a:spcAft>
-              <a:buClrTx/>
-              <a:buSzTx/>
-              <a:buFontTx/>
-              <a:buNone/>
-              <a:tabLst/>
-              <a:defRPr/>
-            </a:pPr>
-            <a:r>
-              <a:rPr kumimoji="0" lang="en-US" sz="2800" b="0" i="0" u="none" strike="noStrike" kern="1200" cap="none" spc="0" normalizeH="0" baseline="0" noProof="0" dirty="0">
-                <a:ln>
-                  <a:noFill/>
-                </a:ln>
-                <a:solidFill>
-                  <a:prstClr val="white"/>
-                </a:solidFill>
-                <a:effectLst/>
-                <a:uLnTx/>
-                <a:uFillTx/>
-                <a:latin typeface="Calibri" panose="020F0502020204030204"/>
-                <a:ea typeface="+mn-ea"/>
-                <a:cs typeface="+mn-cs"/>
-              </a:rPr>
-              <a:t>	Problem 1 : Deck was broken down into 3 coding steps</a:t>
-            </a:r>
-          </a:p>
-          <a:p>
-            <a:pPr marL="0" marR="0" lvl="0" indent="0" algn="l" defTabSz="914400" rtl="0" eaLnBrk="1" fontAlgn="auto" latinLnBrk="0" hangingPunct="1">
-              <a:lnSpc>
-                <a:spcPct val="100000"/>
-              </a:lnSpc>
-              <a:spcBef>
-                <a:spcPts val="0"/>
-              </a:spcBef>
-              <a:spcAft>
-                <a:spcPts val="0"/>
-              </a:spcAft>
-              <a:buClrTx/>
-              <a:buSzTx/>
-              <a:buFontTx/>
-              <a:buNone/>
-              <a:tabLst/>
-              <a:defRPr/>
-            </a:pPr>
-            <a:r>
-              <a:rPr lang="en-US" sz="2800" dirty="0">
-                <a:solidFill>
-                  <a:prstClr val="white"/>
-                </a:solidFill>
-                <a:latin typeface="Calibri" panose="020F0502020204030204"/>
-              </a:rPr>
-              <a:t>	Problem 3: Standard play was broken down into 4 coding steps.</a:t>
-            </a:r>
-          </a:p>
-          <a:p>
-            <a:pPr marL="0" marR="0" lvl="0" indent="0" algn="l" defTabSz="914400" rtl="0" eaLnBrk="1" fontAlgn="auto" latinLnBrk="0" hangingPunct="1">
-              <a:lnSpc>
-                <a:spcPct val="100000"/>
-              </a:lnSpc>
-              <a:spcBef>
-                <a:spcPts val="0"/>
-              </a:spcBef>
-              <a:spcAft>
-                <a:spcPts val="0"/>
-              </a:spcAft>
-              <a:buClrTx/>
-              <a:buSzTx/>
-              <a:buFontTx/>
-              <a:buNone/>
-              <a:tabLst/>
-              <a:defRPr/>
-            </a:pPr>
-            <a:r>
-              <a:rPr lang="en-US" sz="2800" dirty="0">
-                <a:solidFill>
-                  <a:prstClr val="white"/>
-                </a:solidFill>
-                <a:latin typeface="Calibri" panose="020F0502020204030204"/>
-              </a:rPr>
-              <a:t>	Problem 4: War, the most complicated, was broken down into </a:t>
-            </a:r>
-          </a:p>
-          <a:p>
-            <a:pPr marL="0" marR="0" lvl="0" indent="0" algn="l" defTabSz="914400" rtl="0" eaLnBrk="1" fontAlgn="auto" latinLnBrk="0" hangingPunct="1">
-              <a:lnSpc>
-                <a:spcPct val="100000"/>
-              </a:lnSpc>
-              <a:spcBef>
-                <a:spcPts val="0"/>
-              </a:spcBef>
-              <a:spcAft>
-                <a:spcPts val="0"/>
-              </a:spcAft>
-              <a:buClrTx/>
-              <a:buSzTx/>
-              <a:buFontTx/>
-              <a:buNone/>
-              <a:tabLst/>
-              <a:defRPr/>
-            </a:pPr>
-            <a:r>
-              <a:rPr lang="en-US" sz="2800" dirty="0">
-                <a:solidFill>
-                  <a:prstClr val="white"/>
-                </a:solidFill>
-                <a:latin typeface="Calibri" panose="020F0502020204030204"/>
-              </a:rPr>
-              <a:t>		         7 coding steps. </a:t>
-            </a:r>
-          </a:p>
-          <a:p>
-            <a:pPr marL="0" marR="0" lvl="0" indent="0" algn="l" defTabSz="914400" rtl="0" eaLnBrk="1" fontAlgn="auto" latinLnBrk="0" hangingPunct="1">
-              <a:lnSpc>
-                <a:spcPct val="100000"/>
-              </a:lnSpc>
-              <a:spcBef>
-                <a:spcPts val="0"/>
-              </a:spcBef>
-              <a:spcAft>
-                <a:spcPts val="0"/>
-              </a:spcAft>
-              <a:buClrTx/>
-              <a:buSzTx/>
-              <a:buFontTx/>
-              <a:buNone/>
-              <a:tabLst/>
-              <a:defRPr/>
-            </a:pPr>
-            <a:r>
-              <a:rPr lang="en-US" sz="2800" dirty="0">
-                <a:solidFill>
-                  <a:prstClr val="white"/>
-                </a:solidFill>
-                <a:latin typeface="Calibri" panose="020F0502020204030204"/>
-              </a:rPr>
-              <a:t>	Problem 2: End of game was a single coding step. </a:t>
-            </a:r>
-          </a:p>
-          <a:p>
-            <a:pPr marL="0" marR="0" lvl="0" indent="0" algn="l" defTabSz="914400" rtl="0" eaLnBrk="1" fontAlgn="auto" latinLnBrk="0" hangingPunct="1">
-              <a:lnSpc>
-                <a:spcPct val="100000"/>
-              </a:lnSpc>
-              <a:spcBef>
-                <a:spcPts val="0"/>
-              </a:spcBef>
-              <a:spcAft>
-                <a:spcPts val="0"/>
-              </a:spcAft>
-              <a:buClrTx/>
-              <a:buSzTx/>
-              <a:buFontTx/>
-              <a:buNone/>
-              <a:tabLst/>
-              <a:defRPr/>
-            </a:pPr>
-            <a:endParaRPr lang="en-US" sz="2800" dirty="0">
-              <a:solidFill>
-                <a:prstClr val="white"/>
-              </a:solidFill>
-              <a:latin typeface="Calibri" panose="020F0502020204030204"/>
-            </a:endParaRPr>
-          </a:p>
-          <a:p>
-            <a:pPr marL="0" marR="0" lvl="0" indent="0" algn="l" defTabSz="914400" rtl="0" eaLnBrk="1" fontAlgn="auto" latinLnBrk="0" hangingPunct="1">
-              <a:lnSpc>
-                <a:spcPct val="100000"/>
-              </a:lnSpc>
-              <a:spcBef>
-                <a:spcPts val="0"/>
-              </a:spcBef>
-              <a:spcAft>
-                <a:spcPts val="0"/>
-              </a:spcAft>
-              <a:buClrTx/>
-              <a:buSzTx/>
-              <a:buFontTx/>
-              <a:buNone/>
-              <a:tabLst/>
-              <a:defRPr/>
-            </a:pPr>
-            <a:r>
-              <a:rPr lang="en-US" sz="2800" dirty="0">
-                <a:solidFill>
-                  <a:prstClr val="white"/>
-                </a:solidFill>
-                <a:latin typeface="Calibri" panose="020F0502020204030204"/>
-              </a:rPr>
-              <a:t>NOTE: Problems are numbered in the order we solved them…</a:t>
-            </a:r>
-          </a:p>
-        </p:txBody>
-      </p:sp>
-    </p:spTree>
-    <p:extLst>
-      <p:ext uri="{BB962C8B-B14F-4D97-AF65-F5344CB8AC3E}">
-        <p14:creationId xmlns:p14="http://schemas.microsoft.com/office/powerpoint/2010/main" val="1195741672"/>
-      </p:ext>
-    </p:extLst>
-  </p:cSld>
-  <p:clrMapOvr>
-    <a:masterClrMapping/>
-  </p:clrMapOvr>
-  <mc:AlternateContent xmlns:mc="http://schemas.openxmlformats.org/markup-compatibility/2006" xmlns:p14="http://schemas.microsoft.com/office/powerpoint/2010/main">
-    <mc:Choice Requires="p14">
-      <p:transition spd="med" p14:dur="700">
-        <p:fade/>
-      </p:transition>
-    </mc:Choice>
-    <mc:Fallback xmlns="">
-      <p:transition spd="med">
-        <p:fade/>
-      </p:transition>
-    </mc:Fallback>
-  </mc:AlternateContent>
-</p:sld>
-</file>
-
-<file path=ppt/slides/slide14.xml><?xml version="1.0" encoding="utf-8"?>
-<p:sld xmlns:a="http://schemas.openxmlformats.org/drawingml/2006/main" xmlns:r="http://schemas.openxmlformats.org/officeDocument/2006/relationships" xmlns:p="http://schemas.openxmlformats.org/presentationml/2006/main">
-  <p:cSld>
-    <p:spTree>
-      <p:nvGrpSpPr>
-        <p:cNvPr id="1" name=""/>
-        <p:cNvGrpSpPr/>
-        <p:nvPr/>
-      </p:nvGrpSpPr>
-      <p:grpSpPr>
-        <a:xfrm>
-          <a:off x="0" y="0"/>
-          <a:ext cx="0" cy="0"/>
-          <a:chOff x="0" y="0"/>
-          <a:chExt cx="0" cy="0"/>
-        </a:xfrm>
-      </p:grpSpPr>
-      <p:sp>
-        <p:nvSpPr>
-          <p:cNvPr id="2" name="Title 1"/>
-          <p:cNvSpPr>
-            <a:spLocks noGrp="1"/>
-          </p:cNvSpPr>
-          <p:nvPr>
-            <p:ph type="title"/>
-          </p:nvPr>
-        </p:nvSpPr>
-        <p:spPr>
-          <a:xfrm>
-            <a:off x="116839" y="141072"/>
             <a:ext cx="11653523" cy="1158793"/>
           </a:xfrm>
         </p:spPr>
@@ -14457,7 +13738,7 @@
 </p:sld>
 </file>
 
-<file path=ppt/slides/slide15.xml><?xml version="1.0" encoding="utf-8"?>
+<file path=ppt/slides/slide14.xml><?xml version="1.0" encoding="utf-8"?>
 <p:sld xmlns:a="http://schemas.openxmlformats.org/drawingml/2006/main" xmlns:r="http://schemas.openxmlformats.org/officeDocument/2006/relationships" xmlns:p="http://schemas.openxmlformats.org/presentationml/2006/main">
   <p:cSld>
     <p:spTree>
@@ -14714,7 +13995,7 @@
           <a:p>
             <a:r>
               <a:rPr lang="en-US" dirty="0"/>
-              <a:t>Example : War Card Game</a:t>
+              <a:t>Example : Waking up for School</a:t>
             </a:r>
           </a:p>
         </p:txBody>
@@ -14734,7 +14015,7 @@
         <p:spPr>
           <a:xfrm>
             <a:off x="631065" y="1423721"/>
-            <a:ext cx="10544116" cy="4247317"/>
+            <a:ext cx="10544116" cy="1477328"/>
           </a:xfrm>
           <a:prstGeom prst="rect">
             <a:avLst/>
@@ -14748,54 +14029,157 @@
           <a:lstStyle/>
           <a:p>
             <a:r>
-              <a:rPr lang="en-US" b="1" cap="all" dirty="0"/>
-              <a:t>THE DEAL</a:t>
-            </a:r>
-          </a:p>
-          <a:p>
-            <a:r>
-              <a:rPr lang="en-US" dirty="0"/>
-              <a:t>The deck is divided evenly, with each player receiving 26 cards, dealt one at a time, face down. Anyone may deal first. Each player places their stack of cards face down, in front of them.</a:t>
+              <a:rPr lang="en-US" sz="2400" dirty="0"/>
+              <a:t>Even getting ready we internally use a Divide and Conquer technique for getting ready in the morning. All of the tasks can be overwhelming so we break them down! Now this list might not be exactly what you do, but…. </a:t>
             </a:r>
           </a:p>
           <a:p>
             <a:endParaRPr lang="en-US" b="1" cap="all" dirty="0"/>
           </a:p>
-          <a:p>
-            <a:r>
-              <a:rPr lang="en-US" b="1" cap="all" dirty="0"/>
-              <a:t>THE PLAY</a:t>
-            </a:r>
-          </a:p>
-          <a:p>
-            <a:r>
-              <a:rPr lang="en-US" dirty="0"/>
-              <a:t>Each player turns up a card at the same time and the player with the higher card takes both cards and puts them, face down, on the bottom of his stack.</a:t>
+        </p:txBody>
+      </p:sp>
+      <p:sp>
+        <p:nvSpPr>
+          <p:cNvPr id="4" name="TextBox 3">
+            <a:extLst>
+              <a:ext uri="{FF2B5EF4-FFF2-40B4-BE49-F238E27FC236}">
+                <a16:creationId xmlns:a16="http://schemas.microsoft.com/office/drawing/2014/main" id="{10D3902D-EE0E-4600-BB44-2FB3AE025CB6}"/>
+              </a:ext>
+            </a:extLst>
+          </p:cNvPr>
+          <p:cNvSpPr txBox="1"/>
+          <p:nvPr/>
+        </p:nvSpPr>
+        <p:spPr>
+          <a:xfrm>
+            <a:off x="1016819" y="3134465"/>
+            <a:ext cx="5031346" cy="2585323"/>
+          </a:xfrm>
+          <a:prstGeom prst="rect">
+            <a:avLst/>
+          </a:prstGeom>
+          <a:noFill/>
+        </p:spPr>
+        <p:txBody>
+          <a:bodyPr wrap="square" rtlCol="0">
+            <a:spAutoFit/>
+          </a:bodyPr>
+          <a:lstStyle/>
+          <a:p>
+            <a:pPr marL="342900" indent="-342900">
+              <a:buAutoNum type="arabicPeriod"/>
+            </a:pPr>
+            <a:r>
+              <a:rPr lang="en-US" sz="2400" dirty="0"/>
+              <a:t>Turn off alarm</a:t>
+            </a:r>
+          </a:p>
+          <a:p>
+            <a:pPr marL="342900" indent="-342900">
+              <a:buAutoNum type="arabicPeriod"/>
+            </a:pPr>
+            <a:r>
+              <a:rPr lang="en-US" sz="2400" dirty="0"/>
+              <a:t>Eat breakfast</a:t>
+            </a:r>
+          </a:p>
+          <a:p>
+            <a:pPr lvl="1"/>
+            <a:r>
+              <a:rPr lang="en-US" sz="2400" dirty="0"/>
+              <a:t>Make breakfast?</a:t>
+            </a:r>
+          </a:p>
+          <a:p>
+            <a:pPr marL="342900" indent="-342900">
+              <a:buAutoNum type="arabicPeriod"/>
+            </a:pPr>
+            <a:r>
+              <a:rPr lang="en-US" sz="2400" dirty="0"/>
+              <a:t>Clean up</a:t>
+            </a:r>
+          </a:p>
+          <a:p>
+            <a:pPr lvl="1"/>
+            <a:r>
+              <a:rPr lang="en-US" sz="2400" dirty="0"/>
+              <a:t>Take a shower</a:t>
+            </a:r>
+          </a:p>
+          <a:p>
+            <a:pPr lvl="1"/>
+            <a:r>
+              <a:rPr lang="en-US" sz="2400" dirty="0"/>
+              <a:t>Brush teeth</a:t>
+            </a:r>
+          </a:p>
+          <a:p>
+            <a:endParaRPr lang="en-US" b="1" cap="all" dirty="0"/>
+          </a:p>
+        </p:txBody>
+      </p:sp>
+      <p:sp>
+        <p:nvSpPr>
+          <p:cNvPr id="5" name="TextBox 4">
+            <a:extLst>
+              <a:ext uri="{FF2B5EF4-FFF2-40B4-BE49-F238E27FC236}">
+                <a16:creationId xmlns:a16="http://schemas.microsoft.com/office/drawing/2014/main" id="{8CB83E44-ADA3-4BFF-8622-45E666E9C95C}"/>
+              </a:ext>
+            </a:extLst>
+          </p:cNvPr>
+          <p:cNvSpPr txBox="1"/>
+          <p:nvPr/>
+        </p:nvSpPr>
+        <p:spPr>
+          <a:xfrm>
+            <a:off x="5836277" y="3134465"/>
+            <a:ext cx="5031346" cy="2492990"/>
+          </a:xfrm>
+          <a:prstGeom prst="rect">
+            <a:avLst/>
+          </a:prstGeom>
+          <a:noFill/>
+        </p:spPr>
+        <p:txBody>
+          <a:bodyPr wrap="square" rtlCol="0">
+            <a:spAutoFit/>
+          </a:bodyPr>
+          <a:lstStyle/>
+          <a:p>
+            <a:r>
+              <a:rPr lang="en-US" sz="2400" dirty="0"/>
+              <a:t>4. Change clothes</a:t>
+            </a:r>
+          </a:p>
+          <a:p>
+            <a:r>
+              <a:rPr lang="en-US" sz="2400" dirty="0"/>
+              <a:t>5. Make lunch</a:t>
+            </a:r>
+          </a:p>
+          <a:p>
+            <a:r>
+              <a:rPr lang="en-US" sz="2400" dirty="0"/>
+              <a:t>        Or lunch money?</a:t>
+            </a:r>
+          </a:p>
+          <a:p>
+            <a:r>
+              <a:rPr lang="en-US" sz="2400" dirty="0"/>
+              <a:t>6. Load backpack</a:t>
+            </a:r>
+          </a:p>
+          <a:p>
+            <a:r>
+              <a:rPr lang="en-US" sz="2400" dirty="0"/>
+              <a:t>7. Leave house</a:t>
             </a:r>
           </a:p>
           <a:p>
             <a:endParaRPr lang="en-US" dirty="0"/>
           </a:p>
           <a:p>
-            <a:r>
-              <a:rPr lang="en-US" dirty="0"/>
-              <a:t>If the cards are the same rank, it is War. Each player turns up one card face down and one card face up. The player with the higher cards takes both piles (six cards). If the turned-up cards are again the same rank, each player places another card face down and turns another card face up. The player with the higher card takes all 10 cards, and so on.</a:t>
-            </a:r>
-          </a:p>
-          <a:p>
-            <a:endParaRPr lang="en-US" dirty="0"/>
-          </a:p>
-          <a:p>
-            <a:r>
-              <a:rPr lang="en-US" b="1" cap="all" dirty="0"/>
-              <a:t>HOW TO KEEP SCORE</a:t>
-            </a:r>
-          </a:p>
-          <a:p>
-            <a:r>
-              <a:rPr lang="en-US" dirty="0"/>
-              <a:t>The game ends when one player has won all the cards.</a:t>
-            </a:r>
+            <a:endParaRPr lang="en-US" b="1" cap="all" dirty="0"/>
           </a:p>
         </p:txBody>
       </p:sp>
@@ -14863,7 +14247,7 @@
           <a:p>
             <a:r>
               <a:rPr lang="en-US" dirty="0"/>
-              <a:t>Divide and Conquer</a:t>
+              <a:t>War Card Game Rules</a:t>
             </a:r>
           </a:p>
         </p:txBody>
@@ -14883,7 +14267,7 @@
         <p:spPr>
           <a:xfrm>
             <a:off x="631065" y="1423721"/>
-            <a:ext cx="10544116" cy="5078313"/>
+            <a:ext cx="10544116" cy="4247317"/>
           </a:xfrm>
           <a:prstGeom prst="rect">
             <a:avLst/>
@@ -14914,7 +14298,7 @@
               <a:defRPr/>
             </a:pPr>
             <a:r>
-              <a:rPr kumimoji="0" lang="en-US" sz="3600" b="0" i="0" u="none" strike="noStrike" kern="1200" cap="none" spc="0" normalizeH="0" baseline="0" noProof="0" dirty="0">
+              <a:rPr kumimoji="0" lang="en-US" sz="1800" b="1" i="0" u="none" strike="noStrike" kern="1200" cap="all" spc="0" normalizeH="0" baseline="0" noProof="0" dirty="0">
                 <a:ln>
                   <a:noFill/>
                 </a:ln>
@@ -14928,7 +14312,7 @@
                 <a:ea typeface="+mn-ea"/>
                 <a:cs typeface="+mn-cs"/>
               </a:rPr>
-              <a:t>There are several problems we have to tackle, so start by collecting the game rules and breaking it down to smaller steps. </a:t>
+              <a:t>THE DEAL</a:t>
             </a:r>
           </a:p>
           <a:p>
@@ -14949,7 +14333,43 @@
               <a:tabLst/>
               <a:defRPr/>
             </a:pPr>
-            <a:endParaRPr kumimoji="0" lang="en-US" sz="3600" b="1" i="0" u="none" strike="noStrike" kern="1200" cap="all" spc="0" normalizeH="0" baseline="0" noProof="0" dirty="0">
+            <a:r>
+              <a:rPr kumimoji="0" lang="en-US" sz="1800" b="0" i="0" u="none" strike="noStrike" kern="1200" cap="none" spc="0" normalizeH="0" baseline="0" noProof="0" dirty="0">
+                <a:ln>
+                  <a:noFill/>
+                </a:ln>
+                <a:solidFill>
+                  <a:prstClr val="white"/>
+                </a:solidFill>
+                <a:effectLst/>
+                <a:uLnTx/>
+                <a:uFillTx/>
+                <a:latin typeface="Calibri" panose="020F0502020204030204"/>
+                <a:ea typeface="+mn-ea"/>
+                <a:cs typeface="+mn-cs"/>
+              </a:rPr>
+              <a:t>The deck is divided evenly, with each player receiving 26 cards, dealt one at a time, face down. Anyone may deal first. Each player places their stack of cards face down, in front of them.</a:t>
+            </a:r>
+          </a:p>
+          <a:p>
+            <a:pPr marL="0" marR="0" lvl="0" indent="0" algn="l" defTabSz="914400" rtl="0" eaLnBrk="1" fontAlgn="auto" latinLnBrk="0" hangingPunct="1">
+              <a:lnSpc>
+                <a:spcPct val="100000"/>
+              </a:lnSpc>
+              <a:spcBef>
+                <a:spcPts val="0"/>
+              </a:spcBef>
+              <a:spcAft>
+                <a:spcPts val="0"/>
+              </a:spcAft>
+              <a:buClrTx/>
+              <a:buSzTx/>
+              <a:buFontTx/>
+              <a:buNone/>
+              <a:tabLst/>
+              <a:defRPr/>
+            </a:pPr>
+            <a:endParaRPr kumimoji="0" lang="en-US" sz="1800" b="1" i="0" u="none" strike="noStrike" kern="1200" cap="all" spc="0" normalizeH="0" baseline="0" noProof="0" dirty="0">
               <a:ln>
                 <a:noFill/>
               </a:ln>
@@ -14983,7 +14403,7 @@
               <a:defRPr/>
             </a:pPr>
             <a:r>
-              <a:rPr kumimoji="0" lang="en-US" sz="3600" b="1" i="0" u="none" strike="noStrike" kern="1200" cap="all" spc="0" normalizeH="0" baseline="0" noProof="0" dirty="0">
+              <a:rPr kumimoji="0" lang="en-US" sz="1800" b="1" i="0" u="none" strike="noStrike" kern="1200" cap="all" spc="0" normalizeH="0" baseline="0" noProof="0" dirty="0">
                 <a:ln>
                   <a:noFill/>
                 </a:ln>
@@ -14997,7 +14417,7 @@
                 <a:ea typeface="+mn-ea"/>
                 <a:cs typeface="+mn-cs"/>
               </a:rPr>
-              <a:t>	Card Deck</a:t>
+              <a:t>THE PLAY</a:t>
             </a:r>
           </a:p>
           <a:p>
@@ -15019,35 +14439,7 @@
               <a:defRPr/>
             </a:pPr>
             <a:r>
-              <a:rPr lang="en-US" sz="3600" b="1" cap="all" dirty="0">
-                <a:solidFill>
-                  <a:prstClr val="white"/>
-                </a:solidFill>
-                <a:latin typeface="Calibri" panose="020F0502020204030204"/>
-              </a:rPr>
-              <a:t>	Game play</a:t>
-            </a:r>
-          </a:p>
-          <a:p>
-            <a:pPr marL="0" marR="0" lvl="0" indent="0" algn="l" defTabSz="914400" rtl="0" eaLnBrk="1" fontAlgn="auto" latinLnBrk="0" hangingPunct="1">
-              <a:lnSpc>
-                <a:spcPct val="100000"/>
-              </a:lnSpc>
-              <a:spcBef>
-                <a:spcPts val="0"/>
-              </a:spcBef>
-              <a:spcAft>
-                <a:spcPts val="0"/>
-              </a:spcAft>
-              <a:buClrTx/>
-              <a:buSzTx/>
-              <a:buFontTx/>
-              <a:buNone/>
-              <a:tabLst/>
-              <a:defRPr/>
-            </a:pPr>
-            <a:r>
-              <a:rPr kumimoji="0" lang="en-US" sz="3600" b="1" i="0" u="none" strike="noStrike" kern="1200" cap="all" spc="0" normalizeH="0" baseline="0" noProof="0" dirty="0">
+              <a:rPr kumimoji="0" lang="en-US" sz="1800" b="0" i="0" u="none" strike="noStrike" kern="1200" cap="none" spc="0" normalizeH="0" baseline="0" noProof="0" dirty="0">
                 <a:ln>
                   <a:noFill/>
                 </a:ln>
@@ -15061,10 +14453,62 @@
                 <a:ea typeface="+mn-ea"/>
                 <a:cs typeface="+mn-cs"/>
               </a:rPr>
-              <a:t>		</a:t>
-            </a:r>
-            <a:r>
-              <a:rPr kumimoji="0" lang="en-US" sz="3600" b="1" i="0" u="none" strike="noStrike" kern="1200" cap="all" spc="0" normalizeH="0" baseline="0" noProof="0" dirty="0" err="1">
+              <a:t>Each player turns up a card at the same time and the player with the higher card takes both cards and puts them, face down, on the bottom of his stack.</a:t>
+            </a:r>
+          </a:p>
+          <a:p>
+            <a:pPr marL="0" marR="0" lvl="0" indent="0" algn="l" defTabSz="914400" rtl="0" eaLnBrk="1" fontAlgn="auto" latinLnBrk="0" hangingPunct="1">
+              <a:lnSpc>
+                <a:spcPct val="100000"/>
+              </a:lnSpc>
+              <a:spcBef>
+                <a:spcPts val="0"/>
+              </a:spcBef>
+              <a:spcAft>
+                <a:spcPts val="0"/>
+              </a:spcAft>
+              <a:buClrTx/>
+              <a:buSzTx/>
+              <a:buFontTx/>
+              <a:buNone/>
+              <a:tabLst/>
+              <a:defRPr/>
+            </a:pPr>
+            <a:endParaRPr kumimoji="0" lang="en-US" sz="1800" b="0" i="0" u="none" strike="noStrike" kern="1200" cap="none" spc="0" normalizeH="0" baseline="0" noProof="0" dirty="0">
+              <a:ln>
+                <a:noFill/>
+              </a:ln>
+              <a:solidFill>
+                <a:prstClr val="white"/>
+              </a:solidFill>
+              <a:effectLst/>
+              <a:uLnTx/>
+              <a:uFillTx/>
+              <a:latin typeface="Calibri" panose="020F0502020204030204"/>
+              <a:ea typeface="+mn-ea"/>
+              <a:cs typeface="+mn-cs"/>
+            </a:endParaRPr>
+          </a:p>
+          <a:p>
+            <a:pPr marL="0" marR="0" lvl="0" indent="0" algn="l" defTabSz="914400" rtl="0" eaLnBrk="1" fontAlgn="auto" latinLnBrk="0" hangingPunct="1">
+              <a:lnSpc>
+                <a:spcPct val="100000"/>
+              </a:lnSpc>
+              <a:spcBef>
+                <a:spcPts val="0"/>
+              </a:spcBef>
+              <a:spcAft>
+                <a:spcPts val="0"/>
+              </a:spcAft>
+              <a:buClrTx/>
+              <a:buSzTx/>
+              <a:buFontTx/>
+              <a:buNone/>
+              <a:tabLst/>
+              <a:defRPr/>
+            </a:pPr>
+            <a:r>
+              <a:rPr kumimoji="0" lang="en-US" sz="1800" b="0" i="0" u="none" strike="noStrike" kern="1200" cap="none" spc="0" normalizeH="0" baseline="0" noProof="0" dirty="0">
                 <a:ln>
                   <a:noFill/>
                 </a:ln>
@@ -15078,25 +14522,7 @@
                 <a:ea typeface="+mn-ea"/>
                 <a:cs typeface="+mn-cs"/>
               </a:rPr>
-              <a:t>sta</a:t>
-            </a:r>
-            <a:r>
-              <a:rPr lang="en-US" sz="3600" b="1" cap="all" dirty="0" err="1">
-                <a:solidFill>
-                  <a:prstClr val="white"/>
-                </a:solidFill>
-                <a:latin typeface="Calibri" panose="020F0502020204030204"/>
-              </a:rPr>
-              <a:t>ndard</a:t>
-            </a:r>
-            <a:r>
-              <a:rPr lang="en-US" sz="3600" b="1" cap="all" dirty="0">
-                <a:solidFill>
-                  <a:prstClr val="white"/>
-                </a:solidFill>
-                <a:latin typeface="Calibri" panose="020F0502020204030204"/>
-              </a:rPr>
-              <a:t> play</a:t>
+              <a:t>If the cards are the same rank, it is War. Each player turns up one card face down and one card face up. The player with the higher cards takes both piles (six cards). If the turned-up cards are again the same rank, each player places another card face down and turns another card face up. The player with the higher card takes all 10 cards, and so on.</a:t>
             </a:r>
           </a:p>
           <a:p>
@@ -15117,8 +14543,41 @@
               <a:tabLst/>
               <a:defRPr/>
             </a:pPr>
-            <a:r>
-              <a:rPr kumimoji="0" lang="en-US" sz="3600" b="1" i="0" u="none" strike="noStrike" kern="1200" cap="all" spc="0" normalizeH="0" baseline="0" noProof="0" dirty="0">
+            <a:endParaRPr kumimoji="0" lang="en-US" sz="1800" b="0" i="0" u="none" strike="noStrike" kern="1200" cap="none" spc="0" normalizeH="0" baseline="0" noProof="0" dirty="0">
+              <a:ln>
+                <a:noFill/>
+              </a:ln>
+              <a:solidFill>
+                <a:prstClr val="white"/>
+              </a:solidFill>
+              <a:effectLst/>
+              <a:uLnTx/>
+              <a:uFillTx/>
+              <a:latin typeface="Calibri" panose="020F0502020204030204"/>
+              <a:ea typeface="+mn-ea"/>
+              <a:cs typeface="+mn-cs"/>
+            </a:endParaRPr>
+          </a:p>
+          <a:p>
+            <a:pPr marL="0" marR="0" lvl="0" indent="0" algn="l" defTabSz="914400" rtl="0" eaLnBrk="1" fontAlgn="auto" latinLnBrk="0" hangingPunct="1">
+              <a:lnSpc>
+                <a:spcPct val="100000"/>
+              </a:lnSpc>
+              <a:spcBef>
+                <a:spcPts val="0"/>
+              </a:spcBef>
+              <a:spcAft>
+                <a:spcPts val="0"/>
+              </a:spcAft>
+              <a:buClrTx/>
+              <a:buSzTx/>
+              <a:buFontTx/>
+              <a:buNone/>
+              <a:tabLst/>
+              <a:defRPr/>
+            </a:pPr>
+            <a:r>
+              <a:rPr kumimoji="0" lang="en-US" sz="1800" b="1" i="0" u="none" strike="noStrike" kern="1200" cap="all" spc="0" normalizeH="0" baseline="0" noProof="0" dirty="0">
                 <a:ln>
                   <a:noFill/>
                 </a:ln>
@@ -15132,16 +14591,7 @@
                 <a:ea typeface="+mn-ea"/>
                 <a:cs typeface="+mn-cs"/>
               </a:rPr>
-              <a:t>		</a:t>
-            </a:r>
-            <a:r>
-              <a:rPr lang="en-US" sz="3600" b="1" cap="all" dirty="0">
-                <a:solidFill>
-                  <a:prstClr val="white"/>
-                </a:solidFill>
-                <a:latin typeface="Calibri" panose="020F0502020204030204"/>
-              </a:rPr>
-              <a:t>war</a:t>
+              <a:t>HOW TO KEEP SCORE</a:t>
             </a:r>
           </a:p>
           <a:p>
@@ -15163,7 +14613,7 @@
               <a:defRPr/>
             </a:pPr>
             <a:r>
-              <a:rPr kumimoji="0" lang="en-US" sz="3600" b="1" i="0" u="none" strike="noStrike" kern="1200" cap="all" spc="0" normalizeH="0" baseline="0" noProof="0" dirty="0">
+              <a:rPr kumimoji="0" lang="en-US" sz="1800" b="0" i="0" u="none" strike="noStrike" kern="1200" cap="none" spc="0" normalizeH="0" baseline="0" noProof="0" dirty="0">
                 <a:ln>
                   <a:noFill/>
                 </a:ln>
@@ -15177,7 +14627,7 @@
                 <a:ea typeface="+mn-ea"/>
                 <a:cs typeface="+mn-cs"/>
               </a:rPr>
-              <a:t>		end of game</a:t>
+              <a:t>The game ends when one player has won all the cards.</a:t>
             </a:r>
           </a:p>
         </p:txBody>
@@ -15185,7 +14635,7 @@
     </p:spTree>
     <p:extLst>
       <p:ext uri="{BB962C8B-B14F-4D97-AF65-F5344CB8AC3E}">
-        <p14:creationId xmlns:p14="http://schemas.microsoft.com/office/powerpoint/2010/main" val="3802288501"/>
+        <p14:creationId xmlns:p14="http://schemas.microsoft.com/office/powerpoint/2010/main" val="3148296299"/>
       </p:ext>
     </p:extLst>
   </p:cSld>
@@ -15237,7 +14687,7 @@
         <p:spPr>
           <a:xfrm>
             <a:off x="116839" y="141072"/>
-            <a:ext cx="11653523" cy="1158793"/>
+            <a:ext cx="11653523" cy="1162178"/>
           </a:xfrm>
         </p:spPr>
         <p:txBody>
@@ -15246,7 +14696,7 @@
           <a:p>
             <a:r>
               <a:rPr lang="en-US" dirty="0"/>
-              <a:t>P1: Deck</a:t>
+              <a:t>Example: War Card Game</a:t>
             </a:r>
           </a:p>
         </p:txBody>
@@ -15265,8 +14715,8 @@
         </p:nvSpPr>
         <p:spPr>
           <a:xfrm>
-            <a:off x="624625" y="1423721"/>
-            <a:ext cx="10550556" cy="4524315"/>
+            <a:off x="631065" y="1423721"/>
+            <a:ext cx="10544116" cy="5078313"/>
           </a:xfrm>
           <a:prstGeom prst="rect">
             <a:avLst/>
@@ -15279,12 +14729,25 @@
           </a:bodyPr>
           <a:lstStyle/>
           <a:p>
-            <a:pPr marL="571500" lvl="0" indent="-571500">
-              <a:buFont typeface="Arial" panose="020B0604020202020204" pitchFamily="34" charset="0"/>
-              <a:buChar char="•"/>
+            <a:pPr marL="0" marR="0" lvl="0" indent="0" algn="l" defTabSz="914400" rtl="0" eaLnBrk="1" fontAlgn="auto" latinLnBrk="0" hangingPunct="1">
+              <a:lnSpc>
+                <a:spcPct val="100000"/>
+              </a:lnSpc>
+              <a:spcBef>
+                <a:spcPts val="0"/>
+              </a:spcBef>
+              <a:spcAft>
+                <a:spcPts val="0"/>
+              </a:spcAft>
+              <a:buClrTx/>
+              <a:buSzTx/>
+              <a:buFontTx/>
+              <a:buNone/>
+              <a:tabLst/>
+              <a:defRPr/>
             </a:pPr>
             <a:r>
-              <a:rPr kumimoji="0" lang="en-US" sz="3200" b="0" i="0" u="none" strike="noStrike" kern="1200" cap="none" spc="0" normalizeH="0" baseline="0" noProof="0" dirty="0">
+              <a:rPr kumimoji="0" lang="en-US" sz="3600" b="0" i="0" u="none" strike="noStrike" kern="1200" cap="none" spc="0" normalizeH="0" baseline="0" noProof="0" dirty="0">
                 <a:ln>
                   <a:noFill/>
                 </a:ln>
@@ -15298,31 +14761,62 @@
                 <a:ea typeface="+mn-ea"/>
                 <a:cs typeface="+mn-cs"/>
               </a:rPr>
-              <a:t>A deck has 52 standard playing cards.</a:t>
-            </a:r>
-          </a:p>
-          <a:p>
-            <a:pPr marL="571500" lvl="0" indent="-571500">
-              <a:buFont typeface="Arial" panose="020B0604020202020204" pitchFamily="34" charset="0"/>
-              <a:buChar char="•"/>
+              <a:t>There are several problems we have to tackle, so start by collecting the game rules and breaking it down to smaller steps. </a:t>
+            </a:r>
+          </a:p>
+          <a:p>
+            <a:pPr marL="0" marR="0" lvl="0" indent="0" algn="l" defTabSz="914400" rtl="0" eaLnBrk="1" fontAlgn="auto" latinLnBrk="0" hangingPunct="1">
+              <a:lnSpc>
+                <a:spcPct val="100000"/>
+              </a:lnSpc>
+              <a:spcBef>
+                <a:spcPts val="0"/>
+              </a:spcBef>
+              <a:spcAft>
+                <a:spcPts val="0"/>
+              </a:spcAft>
+              <a:buClrTx/>
+              <a:buSzTx/>
+              <a:buFontTx/>
+              <a:buNone/>
+              <a:tabLst/>
+              <a:defRPr/>
             </a:pPr>
-            <a:r>
-              <a:rPr lang="en-US" sz="3200" dirty="0">
-                <a:solidFill>
-                  <a:prstClr val="white"/>
-                </a:solidFill>
-                <a:latin typeface="Calibri" panose="020F0502020204030204"/>
-              </a:rPr>
-              <a:t>Cards are separated into 4 suits – Diamonds, Hearts, Clubs, Spades. Each suit has 13 cards.</a:t>
-            </a:r>
-          </a:p>
-          <a:p>
-            <a:pPr marL="571500" lvl="0" indent="-571500">
-              <a:buFont typeface="Arial" panose="020B0604020202020204" pitchFamily="34" charset="0"/>
-              <a:buChar char="•"/>
+            <a:endParaRPr kumimoji="0" lang="en-US" sz="3600" b="1" i="0" u="none" strike="noStrike" kern="1200" cap="all" spc="0" normalizeH="0" baseline="0" noProof="0" dirty="0">
+              <a:ln>
+                <a:noFill/>
+              </a:ln>
+              <a:solidFill>
+                <a:prstClr val="white"/>
+              </a:solidFill>
+              <a:effectLst/>
+              <a:uLnTx/>
+              <a:uFillTx/>
+              <a:latin typeface="Calibri" panose="020F0502020204030204"/>
+              <a:ea typeface="+mn-ea"/>
+              <a:cs typeface="+mn-cs"/>
+            </a:endParaRPr>
+          </a:p>
+          <a:p>
+            <a:pPr marL="0" marR="0" lvl="0" indent="0" algn="l" defTabSz="914400" rtl="0" eaLnBrk="1" fontAlgn="auto" latinLnBrk="0" hangingPunct="1">
+              <a:lnSpc>
+                <a:spcPct val="100000"/>
+              </a:lnSpc>
+              <a:spcBef>
+                <a:spcPts val="0"/>
+              </a:spcBef>
+              <a:spcAft>
+                <a:spcPts val="0"/>
+              </a:spcAft>
+              <a:buClrTx/>
+              <a:buSzTx/>
+              <a:buFontTx/>
+              <a:buNone/>
+              <a:tabLst/>
+              <a:defRPr/>
             </a:pPr>
             <a:r>
-              <a:rPr kumimoji="0" lang="en-US" sz="3200" b="0" i="0" u="none" strike="noStrike" kern="1200" cap="none" spc="0" normalizeH="0" baseline="0" noProof="0" dirty="0">
+              <a:rPr kumimoji="0" lang="en-US" sz="3600" b="1" i="0" u="none" strike="noStrike" kern="1200" cap="all" spc="0" normalizeH="0" baseline="0" noProof="0" dirty="0">
                 <a:ln>
                   <a:noFill/>
                 </a:ln>
@@ -15336,31 +14830,57 @@
                 <a:ea typeface="+mn-ea"/>
                 <a:cs typeface="+mn-cs"/>
               </a:rPr>
-              <a:t>Card values are:</a:t>
-            </a:r>
-          </a:p>
-          <a:p>
-            <a:pPr marL="1028700" lvl="1" indent="-571500">
-              <a:buFont typeface="Arial" panose="020B0604020202020204" pitchFamily="34" charset="0"/>
-              <a:buChar char="•"/>
+              <a:t>	Card Deck</a:t>
+            </a:r>
+          </a:p>
+          <a:p>
+            <a:pPr marL="0" marR="0" lvl="0" indent="0" algn="l" defTabSz="914400" rtl="0" eaLnBrk="1" fontAlgn="auto" latinLnBrk="0" hangingPunct="1">
+              <a:lnSpc>
+                <a:spcPct val="100000"/>
+              </a:lnSpc>
+              <a:spcBef>
+                <a:spcPts val="0"/>
+              </a:spcBef>
+              <a:spcAft>
+                <a:spcPts val="0"/>
+              </a:spcAft>
+              <a:buClrTx/>
+              <a:buSzTx/>
+              <a:buFontTx/>
+              <a:buNone/>
+              <a:tabLst/>
+              <a:defRPr/>
             </a:pPr>
             <a:r>
-              <a:rPr lang="en-US" sz="3200" dirty="0">
+              <a:rPr lang="en-US" sz="3600" b="1" cap="all" dirty="0">
                 <a:solidFill>
                   <a:prstClr val="white"/>
                 </a:solidFill>
                 <a:latin typeface="Calibri" panose="020F0502020204030204"/>
               </a:rPr>
-              <a:t>2-10 -&gt; Weight is equal to the number</a:t>
-            </a:r>
-          </a:p>
-          <a:p>
-            <a:pPr marL="1028700" lvl="1" indent="-571500">
-              <a:buFont typeface="Arial" panose="020B0604020202020204" pitchFamily="34" charset="0"/>
-              <a:buChar char="•"/>
+              <a:t>	Game play</a:t>
+            </a:r>
+          </a:p>
+          <a:p>
+            <a:pPr marL="0" marR="0" lvl="0" indent="0" algn="l" defTabSz="914400" rtl="0" eaLnBrk="1" fontAlgn="auto" latinLnBrk="0" hangingPunct="1">
+              <a:lnSpc>
+                <a:spcPct val="100000"/>
+              </a:lnSpc>
+              <a:spcBef>
+                <a:spcPts val="0"/>
+              </a:spcBef>
+              <a:spcAft>
+                <a:spcPts val="0"/>
+              </a:spcAft>
+              <a:buClrTx/>
+              <a:buSzTx/>
+              <a:buFontTx/>
+              <a:buNone/>
+              <a:tabLst/>
+              <a:defRPr/>
             </a:pPr>
             <a:r>
-              <a:rPr kumimoji="0" lang="en-US" sz="3200" b="0" i="0" u="none" strike="noStrike" kern="1200" cap="none" spc="0" normalizeH="0" baseline="0" noProof="0" dirty="0">
+              <a:rPr kumimoji="0" lang="en-US" sz="3600" b="1" i="0" u="none" strike="noStrike" kern="1200" cap="all" spc="0" normalizeH="0" baseline="0" noProof="0" dirty="0">
                 <a:ln>
                   <a:noFill/>
                 </a:ln>
@@ -15374,71 +14894,131 @@
                 <a:ea typeface="+mn-ea"/>
                 <a:cs typeface="+mn-cs"/>
               </a:rPr>
-              <a:t>J-A </a:t>
-            </a:r>
-            <a:r>
-              <a:rPr lang="en-US" sz="3200" dirty="0">
+              <a:t>		</a:t>
+            </a:r>
+            <a:r>
+              <a:rPr kumimoji="0" lang="en-US" sz="3600" b="1" i="0" u="none" strike="noStrike" kern="1200" cap="all" spc="0" normalizeH="0" baseline="0" noProof="0" dirty="0" err="1">
+                <a:ln>
+                  <a:noFill/>
+                </a:ln>
+                <a:solidFill>
+                  <a:prstClr val="white"/>
+                </a:solidFill>
+                <a:effectLst/>
+                <a:uLnTx/>
+                <a:uFillTx/>
+                <a:latin typeface="Calibri" panose="020F0502020204030204"/>
+                <a:ea typeface="+mn-ea"/>
+                <a:cs typeface="+mn-cs"/>
+              </a:rPr>
+              <a:t>sta</a:t>
+            </a:r>
+            <a:r>
+              <a:rPr lang="en-US" sz="3600" b="1" cap="all" dirty="0" err="1">
                 <a:solidFill>
                   <a:prstClr val="white"/>
                 </a:solidFill>
                 <a:latin typeface="Calibri" panose="020F0502020204030204"/>
               </a:rPr>
-              <a:t>-&gt; Weights continue after 10, i.e. J = 11, A=14</a:t>
-            </a:r>
-          </a:p>
-          <a:p>
-            <a:pPr marL="571500" indent="-571500">
-              <a:buFont typeface="Arial" panose="020B0604020202020204" pitchFamily="34" charset="0"/>
-              <a:buChar char="•"/>
-            </a:pPr>
-            <a:r>
-              <a:rPr lang="en-US" sz="3200" dirty="0">
+              <a:t>ndard</a:t>
+            </a:r>
+            <a:r>
+              <a:rPr lang="en-US" sz="3600" b="1" cap="all" dirty="0">
                 <a:solidFill>
                   <a:prstClr val="white"/>
                 </a:solidFill>
                 <a:latin typeface="Calibri" panose="020F0502020204030204"/>
               </a:rPr>
-              <a:t>Deck needs to be shuffled</a:t>
-            </a:r>
-          </a:p>
-          <a:p>
-            <a:pPr marL="571500" indent="-571500">
-              <a:buFont typeface="Arial" panose="020B0604020202020204" pitchFamily="34" charset="0"/>
-              <a:buChar char="•"/>
+              <a:t> play</a:t>
+            </a:r>
+          </a:p>
+          <a:p>
+            <a:pPr marL="0" marR="0" lvl="0" indent="0" algn="l" defTabSz="914400" rtl="0" eaLnBrk="1" fontAlgn="auto" latinLnBrk="0" hangingPunct="1">
+              <a:lnSpc>
+                <a:spcPct val="100000"/>
+              </a:lnSpc>
+              <a:spcBef>
+                <a:spcPts val="0"/>
+              </a:spcBef>
+              <a:spcAft>
+                <a:spcPts val="0"/>
+              </a:spcAft>
+              <a:buClrTx/>
+              <a:buSzTx/>
+              <a:buFontTx/>
+              <a:buNone/>
+              <a:tabLst/>
+              <a:defRPr/>
             </a:pPr>
             <a:r>
-              <a:rPr lang="en-US" sz="3200" dirty="0">
+              <a:rPr kumimoji="0" lang="en-US" sz="3600" b="1" i="0" u="none" strike="noStrike" kern="1200" cap="all" spc="0" normalizeH="0" baseline="0" noProof="0" dirty="0">
+                <a:ln>
+                  <a:noFill/>
+                </a:ln>
+                <a:solidFill>
+                  <a:prstClr val="white"/>
+                </a:solidFill>
+                <a:effectLst/>
+                <a:uLnTx/>
+                <a:uFillTx/>
+                <a:latin typeface="Calibri" panose="020F0502020204030204"/>
+                <a:ea typeface="+mn-ea"/>
+                <a:cs typeface="+mn-cs"/>
+              </a:rPr>
+              <a:t>		</a:t>
+            </a:r>
+            <a:r>
+              <a:rPr lang="en-US" sz="3600" b="1" cap="all" dirty="0">
                 <a:solidFill>
                   <a:prstClr val="white"/>
                 </a:solidFill>
                 <a:latin typeface="Calibri" panose="020F0502020204030204"/>
               </a:rPr>
-              <a:t>Deck is then ‘dealt’ out into two different piles. </a:t>
-            </a:r>
-          </a:p>
-          <a:p>
-            <a:pPr lvl="1"/>
-            <a:endParaRPr kumimoji="0" lang="en-US" sz="3200" b="0" i="0" u="none" strike="noStrike" kern="1200" cap="none" spc="0" normalizeH="0" baseline="0" noProof="0" dirty="0">
-              <a:ln>
-                <a:noFill/>
-              </a:ln>
-              <a:solidFill>
-                <a:prstClr val="white"/>
-              </a:solidFill>
-              <a:effectLst/>
-              <a:uLnTx/>
-              <a:uFillTx/>
-              <a:latin typeface="Calibri" panose="020F0502020204030204"/>
-              <a:ea typeface="+mn-ea"/>
-              <a:cs typeface="+mn-cs"/>
-            </a:endParaRPr>
+              <a:t>war</a:t>
+            </a:r>
+          </a:p>
+          <a:p>
+            <a:pPr marL="0" marR="0" lvl="0" indent="0" algn="l" defTabSz="914400" rtl="0" eaLnBrk="1" fontAlgn="auto" latinLnBrk="0" hangingPunct="1">
+              <a:lnSpc>
+                <a:spcPct val="100000"/>
+              </a:lnSpc>
+              <a:spcBef>
+                <a:spcPts val="0"/>
+              </a:spcBef>
+              <a:spcAft>
+                <a:spcPts val="0"/>
+              </a:spcAft>
+              <a:buClrTx/>
+              <a:buSzTx/>
+              <a:buFontTx/>
+              <a:buNone/>
+              <a:tabLst/>
+              <a:defRPr/>
+            </a:pPr>
+            <a:r>
+              <a:rPr kumimoji="0" lang="en-US" sz="3600" b="1" i="0" u="none" strike="noStrike" kern="1200" cap="all" spc="0" normalizeH="0" baseline="0" noProof="0" dirty="0">
+                <a:ln>
+                  <a:noFill/>
+                </a:ln>
+                <a:solidFill>
+                  <a:prstClr val="white"/>
+                </a:solidFill>
+                <a:effectLst/>
+                <a:uLnTx/>
+                <a:uFillTx/>
+                <a:latin typeface="Calibri" panose="020F0502020204030204"/>
+                <a:ea typeface="+mn-ea"/>
+                <a:cs typeface="+mn-cs"/>
+              </a:rPr>
+              <a:t>		end of game</a:t>
+            </a:r>
           </a:p>
         </p:txBody>
       </p:sp>
     </p:spTree>
     <p:extLst>
       <p:ext uri="{BB962C8B-B14F-4D97-AF65-F5344CB8AC3E}">
-        <p14:creationId xmlns:p14="http://schemas.microsoft.com/office/powerpoint/2010/main" val="428206594"/>
+        <p14:creationId xmlns:p14="http://schemas.microsoft.com/office/powerpoint/2010/main" val="3802288501"/>
       </p:ext>
     </p:extLst>
   </p:cSld>
@@ -15490,7 +15070,7 @@
         <p:spPr>
           <a:xfrm>
             <a:off x="116839" y="141072"/>
-            <a:ext cx="11653523" cy="1158793"/>
+            <a:ext cx="11653523" cy="1162178"/>
           </a:xfrm>
         </p:spPr>
         <p:txBody>
@@ -15499,7 +15079,7 @@
           <a:p>
             <a:r>
               <a:rPr lang="en-US" dirty="0"/>
-              <a:t>P1: Deck Breakdown (Steps)</a:t>
+              <a:t>P1: Card Deck</a:t>
             </a:r>
           </a:p>
         </p:txBody>
@@ -15562,7 +15142,7 @@
                 <a:ea typeface="+mn-ea"/>
                 <a:cs typeface="+mn-cs"/>
               </a:rPr>
-              <a:t>Now that we know what a deck is, what steps do we need to perform? (Divide and Conquer creates 3 distinct coding steps)</a:t>
+              <a:t>Using the Divide and Conquer technique, we create 3 distinct coding steps.</a:t>
             </a:r>
           </a:p>
           <a:p>
@@ -15913,7 +15493,7 @@
         <p:spPr>
           <a:xfrm>
             <a:off x="624625" y="1423721"/>
-            <a:ext cx="10550556" cy="5509200"/>
+            <a:ext cx="10550556" cy="5016758"/>
           </a:xfrm>
           <a:prstGeom prst="rect">
             <a:avLst/>
@@ -15956,7 +15536,7 @@
                 <a:ea typeface="+mn-ea"/>
                 <a:cs typeface="+mn-cs"/>
               </a:rPr>
-              <a:t>Given that we solved the card problem, we can move on to the game play problems. </a:t>
+              <a:t>Game play was broken down into 3 buckets for simplicity:</a:t>
             </a:r>
           </a:p>
           <a:p>
